--- a/ETL_Project.pptx
+++ b/ETL_Project.pptx
@@ -10,8 +10,9 @@
     <p:sldId id="262" r:id="rId4"/>
     <p:sldId id="263" r:id="rId5"/>
     <p:sldId id="264" r:id="rId6"/>
-    <p:sldId id="265" r:id="rId7"/>
-    <p:sldId id="266" r:id="rId8"/>
+    <p:sldId id="268" r:id="rId7"/>
+    <p:sldId id="265" r:id="rId8"/>
+    <p:sldId id="266" r:id="rId9"/>
   </p:sldIdLst>
   <p:sldSz cx="12192000" cy="6858000"/>
   <p:notesSz cx="6858000" cy="9144000"/>
@@ -110,6 +111,11 @@
       </a:defRPr>
     </a:lvl9pPr>
   </p:defaultTextStyle>
+  <p:extLst>
+    <p:ext uri="{EFAFB233-063F-42B5-8137-9DF3F51BA10A}">
+      <p15:sldGuideLst xmlns:p15="http://schemas.microsoft.com/office/powerpoint/2012/main"/>
+    </p:ext>
+  </p:extLst>
 </p:presentation>
 </file>
 
@@ -534,7 +540,7 @@
           <a:p>
             <a:fld id="{53BEF823-48A5-43FC-BE03-E79964288B41}" type="datetimeFigureOut">
               <a:rPr lang="en-US" smtClean="0"/>
-              <a:t>6/5/21</a:t>
+              <a:t>6/8/21</a:t>
             </a:fld>
             <a:endParaRPr lang="en-US" dirty="0"/>
           </a:p>
@@ -745,7 +751,7 @@
             <a:fld id="{53BEF823-48A5-43FC-BE03-E79964288B41}" type="datetimeFigureOut">
               <a:rPr lang="en-US" smtClean="0"/>
               <a:pPr algn="r"/>
-              <a:t>6/5/21</a:t>
+              <a:t>6/8/21</a:t>
             </a:fld>
             <a:endParaRPr lang="en-US" dirty="0"/>
           </a:p>
@@ -960,7 +966,7 @@
             <a:fld id="{53BEF823-48A5-43FC-BE03-E79964288B41}" type="datetimeFigureOut">
               <a:rPr lang="en-US" smtClean="0"/>
               <a:pPr algn="r"/>
-              <a:t>6/5/21</a:t>
+              <a:t>6/8/21</a:t>
             </a:fld>
             <a:endParaRPr lang="en-US" dirty="0"/>
           </a:p>
@@ -1163,7 +1169,7 @@
             <a:fld id="{53BEF823-48A5-43FC-BE03-E79964288B41}" type="datetimeFigureOut">
               <a:rPr lang="en-US" smtClean="0"/>
               <a:pPr algn="r"/>
-              <a:t>6/5/21</a:t>
+              <a:t>6/8/21</a:t>
             </a:fld>
             <a:endParaRPr lang="en-US" dirty="0"/>
           </a:p>
@@ -1447,7 +1453,7 @@
             <a:fld id="{53BEF823-48A5-43FC-BE03-E79964288B41}" type="datetimeFigureOut">
               <a:rPr lang="en-US" smtClean="0"/>
               <a:pPr algn="r"/>
-              <a:t>6/5/21</a:t>
+              <a:t>6/8/21</a:t>
             </a:fld>
             <a:endParaRPr lang="en-US" dirty="0"/>
           </a:p>
@@ -1691,7 +1697,7 @@
             <a:fld id="{53BEF823-48A5-43FC-BE03-E79964288B41}" type="datetimeFigureOut">
               <a:rPr lang="en-US" smtClean="0"/>
               <a:pPr algn="r"/>
-              <a:t>6/5/21</a:t>
+              <a:t>6/8/21</a:t>
             </a:fld>
             <a:endParaRPr lang="en-US" dirty="0"/>
           </a:p>
@@ -2134,7 +2140,7 @@
             <a:fld id="{53BEF823-48A5-43FC-BE03-E79964288B41}" type="datetimeFigureOut">
               <a:rPr lang="en-US" smtClean="0"/>
               <a:pPr algn="r"/>
-              <a:t>6/5/21</a:t>
+              <a:t>6/8/21</a:t>
             </a:fld>
             <a:endParaRPr lang="en-US" dirty="0"/>
           </a:p>
@@ -2280,7 +2286,7 @@
             <a:fld id="{53BEF823-48A5-43FC-BE03-E79964288B41}" type="datetimeFigureOut">
               <a:rPr lang="en-US" smtClean="0"/>
               <a:pPr algn="r"/>
-              <a:t>6/5/21</a:t>
+              <a:t>6/8/21</a:t>
             </a:fld>
             <a:endParaRPr lang="en-US" dirty="0"/>
           </a:p>
@@ -2398,7 +2404,7 @@
             <a:fld id="{53BEF823-48A5-43FC-BE03-E79964288B41}" type="datetimeFigureOut">
               <a:rPr lang="en-US" smtClean="0"/>
               <a:pPr algn="r"/>
-              <a:t>6/5/21</a:t>
+              <a:t>6/8/21</a:t>
             </a:fld>
             <a:endParaRPr lang="en-US" dirty="0"/>
           </a:p>
@@ -2682,7 +2688,7 @@
             <a:fld id="{53BEF823-48A5-43FC-BE03-E79964288B41}" type="datetimeFigureOut">
               <a:rPr lang="en-US" smtClean="0"/>
               <a:pPr algn="r"/>
-              <a:t>6/5/21</a:t>
+              <a:t>6/8/21</a:t>
             </a:fld>
             <a:endParaRPr lang="en-US" dirty="0"/>
           </a:p>
@@ -2977,7 +2983,7 @@
             <a:fld id="{53BEF823-48A5-43FC-BE03-E79964288B41}" type="datetimeFigureOut">
               <a:rPr lang="en-US" smtClean="0"/>
               <a:pPr algn="r"/>
-              <a:t>6/5/21</a:t>
+              <a:t>6/8/21</a:t>
             </a:fld>
             <a:endParaRPr lang="en-US" dirty="0"/>
           </a:p>
@@ -3472,7 +3478,7 @@
             <a:fld id="{53BEF823-48A5-43FC-BE03-E79964288B41}" type="datetimeFigureOut">
               <a:rPr lang="en-US" smtClean="0"/>
               <a:pPr algn="r"/>
-              <a:t>6/5/21</a:t>
+              <a:t>6/8/21</a:t>
             </a:fld>
             <a:endParaRPr lang="en-US" dirty="0"/>
           </a:p>
@@ -5313,6 +5319,130 @@
       </p:grpSpPr>
       <p:sp>
         <p:nvSpPr>
+          <p:cNvPr id="4" name="Title 3">
+            <a:extLst>
+              <a:ext uri="{FF2B5EF4-FFF2-40B4-BE49-F238E27FC236}">
+                <a16:creationId xmlns:a16="http://schemas.microsoft.com/office/drawing/2014/main" id="{48B17232-2B83-164E-BA93-AF60F55A76EF}"/>
+              </a:ext>
+            </a:extLst>
+          </p:cNvPr>
+          <p:cNvSpPr>
+            <a:spLocks noGrp="1"/>
+          </p:cNvSpPr>
+          <p:nvPr>
+            <p:ph type="title"/>
+          </p:nvPr>
+        </p:nvSpPr>
+        <p:spPr>
+          <a:xfrm>
+            <a:off x="758951" y="758953"/>
+            <a:ext cx="8240669" cy="853280"/>
+          </a:xfrm>
+        </p:spPr>
+        <p:txBody>
+          <a:bodyPr>
+            <a:normAutofit/>
+          </a:bodyPr>
+          <a:lstStyle/>
+          <a:p>
+            <a:r>
+              <a:rPr lang="en-US" sz="3200" dirty="0"/>
+              <a:t>Select on both loaded tables looks as follows</a:t>
+            </a:r>
+          </a:p>
+        </p:txBody>
+      </p:sp>
+      <p:pic>
+        <p:nvPicPr>
+          <p:cNvPr id="12" name="Content Placeholder 11" descr="Text&#10;&#10;Description automatically generated with low confidence">
+            <a:extLst>
+              <a:ext uri="{FF2B5EF4-FFF2-40B4-BE49-F238E27FC236}">
+                <a16:creationId xmlns:a16="http://schemas.microsoft.com/office/drawing/2014/main" id="{053467DC-27BC-A943-93A9-7220370CEBB6}"/>
+              </a:ext>
+            </a:extLst>
+          </p:cNvPr>
+          <p:cNvPicPr>
+            <a:picLocks noGrp="1" noChangeAspect="1"/>
+          </p:cNvPicPr>
+          <p:nvPr>
+            <p:ph idx="1"/>
+          </p:nvPr>
+        </p:nvPicPr>
+        <p:blipFill>
+          <a:blip r:embed="rId2"/>
+          <a:stretch>
+            <a:fillRect/>
+          </a:stretch>
+        </p:blipFill>
+        <p:spPr>
+          <a:xfrm>
+            <a:off x="758951" y="1185593"/>
+            <a:ext cx="6608634" cy="3073528"/>
+          </a:xfrm>
+        </p:spPr>
+      </p:pic>
+      <p:pic>
+        <p:nvPicPr>
+          <p:cNvPr id="15" name="Picture 14" descr="Table&#10;&#10;Description automatically generated">
+            <a:extLst>
+              <a:ext uri="{FF2B5EF4-FFF2-40B4-BE49-F238E27FC236}">
+                <a16:creationId xmlns:a16="http://schemas.microsoft.com/office/drawing/2014/main" id="{3870F187-A695-1545-AAB2-4F7D851659C2}"/>
+              </a:ext>
+            </a:extLst>
+          </p:cNvPr>
+          <p:cNvPicPr>
+            <a:picLocks noChangeAspect="1"/>
+          </p:cNvPicPr>
+          <p:nvPr/>
+        </p:nvPicPr>
+        <p:blipFill>
+          <a:blip r:embed="rId3"/>
+          <a:stretch>
+            <a:fillRect/>
+          </a:stretch>
+        </p:blipFill>
+        <p:spPr>
+          <a:xfrm>
+            <a:off x="4989201" y="4379496"/>
+            <a:ext cx="6608634" cy="2383422"/>
+          </a:xfrm>
+          <a:prstGeom prst="rect">
+            <a:avLst/>
+          </a:prstGeom>
+        </p:spPr>
+      </p:pic>
+    </p:spTree>
+    <p:extLst>
+      <p:ext uri="{BB962C8B-B14F-4D97-AF65-F5344CB8AC3E}">
+        <p14:creationId xmlns:p14="http://schemas.microsoft.com/office/powerpoint/2010/main" val="2879628706"/>
+      </p:ext>
+    </p:extLst>
+  </p:cSld>
+  <p:clrMapOvr>
+    <a:masterClrMapping/>
+  </p:clrMapOvr>
+</p:sld>
+</file>
+
+<file path=ppt/slides/slide7.xml><?xml version="1.0" encoding="utf-8"?>
+<p:sld xmlns:a="http://schemas.openxmlformats.org/drawingml/2006/main" xmlns:r="http://schemas.openxmlformats.org/officeDocument/2006/relationships" xmlns:p="http://schemas.openxmlformats.org/presentationml/2006/main">
+  <p:cSld>
+    <p:spTree>
+      <p:nvGrpSpPr>
+        <p:cNvPr id="1" name=""/>
+        <p:cNvGrpSpPr/>
+        <p:nvPr/>
+      </p:nvGrpSpPr>
+      <p:grpSpPr>
+        <a:xfrm>
+          <a:off x="0" y="0"/>
+          <a:ext cx="0" cy="0"/>
+          <a:chOff x="0" y="0"/>
+          <a:chExt cx="0" cy="0"/>
+        </a:xfrm>
+      </p:grpSpPr>
+      <p:sp>
+        <p:nvSpPr>
           <p:cNvPr id="3" name="Text Placeholder 2">
             <a:extLst>
               <a:ext uri="{FF2B5EF4-FFF2-40B4-BE49-F238E27FC236}">
@@ -5498,7 +5628,7 @@
 </p:sld>
 </file>
 
-<file path=ppt/slides/slide7.xml><?xml version="1.0" encoding="utf-8"?>
+<file path=ppt/slides/slide8.xml><?xml version="1.0" encoding="utf-8"?>
 <p:sld xmlns:a="http://schemas.openxmlformats.org/drawingml/2006/main" xmlns:r="http://schemas.openxmlformats.org/officeDocument/2006/relationships" xmlns:p="http://schemas.openxmlformats.org/presentationml/2006/main">
   <p:cSld>
     <p:spTree>

--- a/ETL_Project.pptx
+++ b/ETL_Project.pptx
@@ -117,6 +117,2520 @@
     </p:ext>
   </p:extLst>
 </p:presentation>
+</file>
+
+<file path=ppt/diagrams/colors1.xml><?xml version="1.0" encoding="utf-8"?>
+<dgm:colorsDef xmlns:dgm="http://schemas.openxmlformats.org/drawingml/2006/diagram" xmlns:a="http://schemas.openxmlformats.org/drawingml/2006/main" uniqueId="urn:microsoft.com/office/officeart/2005/8/colors/accent1_2">
+  <dgm:title val=""/>
+  <dgm:desc val=""/>
+  <dgm:catLst>
+    <dgm:cat type="accent1" pri="11200"/>
+  </dgm:catLst>
+  <dgm:styleLbl name="node0">
+    <dgm:fillClrLst meth="repeat">
+      <a:schemeClr val="accent1"/>
+    </dgm:fillClrLst>
+    <dgm:linClrLst meth="repeat">
+      <a:schemeClr val="lt1"/>
+    </dgm:linClrLst>
+    <dgm:effectClrLst/>
+    <dgm:txLinClrLst/>
+    <dgm:txFillClrLst/>
+    <dgm:txEffectClrLst/>
+  </dgm:styleLbl>
+  <dgm:styleLbl name="alignNode1">
+    <dgm:fillClrLst meth="repeat">
+      <a:schemeClr val="accent1"/>
+    </dgm:fillClrLst>
+    <dgm:linClrLst meth="repeat">
+      <a:schemeClr val="accent1"/>
+    </dgm:linClrLst>
+    <dgm:effectClrLst/>
+    <dgm:txLinClrLst/>
+    <dgm:txFillClrLst/>
+    <dgm:txEffectClrLst/>
+  </dgm:styleLbl>
+  <dgm:styleLbl name="node1">
+    <dgm:fillClrLst meth="repeat">
+      <a:schemeClr val="accent1"/>
+    </dgm:fillClrLst>
+    <dgm:linClrLst meth="repeat">
+      <a:schemeClr val="lt1"/>
+    </dgm:linClrLst>
+    <dgm:effectClrLst/>
+    <dgm:txLinClrLst/>
+    <dgm:txFillClrLst/>
+    <dgm:txEffectClrLst/>
+  </dgm:styleLbl>
+  <dgm:styleLbl name="lnNode1">
+    <dgm:fillClrLst meth="repeat">
+      <a:schemeClr val="accent1"/>
+    </dgm:fillClrLst>
+    <dgm:linClrLst meth="repeat">
+      <a:schemeClr val="lt1"/>
+    </dgm:linClrLst>
+    <dgm:effectClrLst/>
+    <dgm:txLinClrLst/>
+    <dgm:txFillClrLst/>
+    <dgm:txEffectClrLst/>
+  </dgm:styleLbl>
+  <dgm:styleLbl name="vennNode1">
+    <dgm:fillClrLst meth="repeat">
+      <a:schemeClr val="accent1">
+        <a:alpha val="50000"/>
+      </a:schemeClr>
+    </dgm:fillClrLst>
+    <dgm:linClrLst meth="repeat">
+      <a:schemeClr val="lt1"/>
+    </dgm:linClrLst>
+    <dgm:effectClrLst/>
+    <dgm:txLinClrLst/>
+    <dgm:txFillClrLst/>
+    <dgm:txEffectClrLst/>
+  </dgm:styleLbl>
+  <dgm:styleLbl name="node2">
+    <dgm:fillClrLst meth="repeat">
+      <a:schemeClr val="accent1"/>
+    </dgm:fillClrLst>
+    <dgm:linClrLst meth="repeat">
+      <a:schemeClr val="lt1"/>
+    </dgm:linClrLst>
+    <dgm:effectClrLst/>
+    <dgm:txLinClrLst/>
+    <dgm:txFillClrLst/>
+    <dgm:txEffectClrLst/>
+  </dgm:styleLbl>
+  <dgm:styleLbl name="node3">
+    <dgm:fillClrLst meth="repeat">
+      <a:schemeClr val="accent1"/>
+    </dgm:fillClrLst>
+    <dgm:linClrLst meth="repeat">
+      <a:schemeClr val="lt1"/>
+    </dgm:linClrLst>
+    <dgm:effectClrLst/>
+    <dgm:txLinClrLst/>
+    <dgm:txFillClrLst/>
+    <dgm:txEffectClrLst/>
+  </dgm:styleLbl>
+  <dgm:styleLbl name="node4">
+    <dgm:fillClrLst meth="repeat">
+      <a:schemeClr val="accent1"/>
+    </dgm:fillClrLst>
+    <dgm:linClrLst meth="repeat">
+      <a:schemeClr val="lt1"/>
+    </dgm:linClrLst>
+    <dgm:effectClrLst/>
+    <dgm:txLinClrLst/>
+    <dgm:txFillClrLst/>
+    <dgm:txEffectClrLst/>
+  </dgm:styleLbl>
+  <dgm:styleLbl name="fgImgPlace1">
+    <dgm:fillClrLst meth="repeat">
+      <a:schemeClr val="accent1">
+        <a:tint val="50000"/>
+      </a:schemeClr>
+    </dgm:fillClrLst>
+    <dgm:linClrLst meth="repeat">
+      <a:schemeClr val="lt1"/>
+    </dgm:linClrLst>
+    <dgm:effectClrLst/>
+    <dgm:txLinClrLst/>
+    <dgm:txFillClrLst meth="repeat">
+      <a:schemeClr val="lt1"/>
+    </dgm:txFillClrLst>
+    <dgm:txEffectClrLst/>
+  </dgm:styleLbl>
+  <dgm:styleLbl name="alignImgPlace1">
+    <dgm:fillClrLst meth="repeat">
+      <a:schemeClr val="accent1">
+        <a:tint val="50000"/>
+      </a:schemeClr>
+    </dgm:fillClrLst>
+    <dgm:linClrLst meth="repeat">
+      <a:schemeClr val="lt1"/>
+    </dgm:linClrLst>
+    <dgm:effectClrLst/>
+    <dgm:txLinClrLst/>
+    <dgm:txFillClrLst meth="repeat">
+      <a:schemeClr val="lt1"/>
+    </dgm:txFillClrLst>
+    <dgm:txEffectClrLst/>
+  </dgm:styleLbl>
+  <dgm:styleLbl name="bgImgPlace1">
+    <dgm:fillClrLst meth="repeat">
+      <a:schemeClr val="accent1">
+        <a:tint val="50000"/>
+      </a:schemeClr>
+    </dgm:fillClrLst>
+    <dgm:linClrLst meth="repeat">
+      <a:schemeClr val="lt1"/>
+    </dgm:linClrLst>
+    <dgm:effectClrLst/>
+    <dgm:txLinClrLst/>
+    <dgm:txFillClrLst meth="repeat">
+      <a:schemeClr val="lt1"/>
+    </dgm:txFillClrLst>
+    <dgm:txEffectClrLst/>
+  </dgm:styleLbl>
+  <dgm:styleLbl name="sibTrans2D1">
+    <dgm:fillClrLst meth="repeat">
+      <a:schemeClr val="accent1">
+        <a:tint val="60000"/>
+      </a:schemeClr>
+    </dgm:fillClrLst>
+    <dgm:linClrLst meth="repeat">
+      <a:schemeClr val="accent1">
+        <a:tint val="60000"/>
+      </a:schemeClr>
+    </dgm:linClrLst>
+    <dgm:effectClrLst/>
+    <dgm:txLinClrLst/>
+    <dgm:txFillClrLst/>
+    <dgm:txEffectClrLst/>
+  </dgm:styleLbl>
+  <dgm:styleLbl name="fgSibTrans2D1">
+    <dgm:fillClrLst meth="repeat">
+      <a:schemeClr val="accent1">
+        <a:tint val="60000"/>
+      </a:schemeClr>
+    </dgm:fillClrLst>
+    <dgm:linClrLst meth="repeat">
+      <a:schemeClr val="accent1">
+        <a:tint val="60000"/>
+      </a:schemeClr>
+    </dgm:linClrLst>
+    <dgm:effectClrLst/>
+    <dgm:txLinClrLst/>
+    <dgm:txFillClrLst/>
+    <dgm:txEffectClrLst/>
+  </dgm:styleLbl>
+  <dgm:styleLbl name="bgSibTrans2D1">
+    <dgm:fillClrLst meth="repeat">
+      <a:schemeClr val="accent1">
+        <a:tint val="60000"/>
+      </a:schemeClr>
+    </dgm:fillClrLst>
+    <dgm:linClrLst meth="repeat">
+      <a:schemeClr val="accent1">
+        <a:tint val="60000"/>
+      </a:schemeClr>
+    </dgm:linClrLst>
+    <dgm:effectClrLst/>
+    <dgm:txLinClrLst/>
+    <dgm:txFillClrLst/>
+    <dgm:txEffectClrLst/>
+  </dgm:styleLbl>
+  <dgm:styleLbl name="sibTrans1D1">
+    <dgm:fillClrLst meth="repeat">
+      <a:schemeClr val="accent1"/>
+    </dgm:fillClrLst>
+    <dgm:linClrLst meth="repeat">
+      <a:schemeClr val="accent1"/>
+    </dgm:linClrLst>
+    <dgm:effectClrLst/>
+    <dgm:txLinClrLst/>
+    <dgm:txFillClrLst meth="repeat">
+      <a:schemeClr val="tx1"/>
+    </dgm:txFillClrLst>
+    <dgm:txEffectClrLst/>
+  </dgm:styleLbl>
+  <dgm:styleLbl name="callout">
+    <dgm:fillClrLst meth="repeat">
+      <a:schemeClr val="accent1"/>
+    </dgm:fillClrLst>
+    <dgm:linClrLst meth="repeat">
+      <a:schemeClr val="accent1">
+        <a:tint val="50000"/>
+      </a:schemeClr>
+    </dgm:linClrLst>
+    <dgm:effectClrLst/>
+    <dgm:txLinClrLst/>
+    <dgm:txFillClrLst meth="repeat">
+      <a:schemeClr val="tx1"/>
+    </dgm:txFillClrLst>
+    <dgm:txEffectClrLst/>
+  </dgm:styleLbl>
+  <dgm:styleLbl name="asst0">
+    <dgm:fillClrLst meth="repeat">
+      <a:schemeClr val="accent1"/>
+    </dgm:fillClrLst>
+    <dgm:linClrLst meth="repeat">
+      <a:schemeClr val="lt1"/>
+    </dgm:linClrLst>
+    <dgm:effectClrLst/>
+    <dgm:txLinClrLst/>
+    <dgm:txFillClrLst/>
+    <dgm:txEffectClrLst/>
+  </dgm:styleLbl>
+  <dgm:styleLbl name="asst1">
+    <dgm:fillClrLst meth="repeat">
+      <a:schemeClr val="accent1"/>
+    </dgm:fillClrLst>
+    <dgm:linClrLst meth="repeat">
+      <a:schemeClr val="lt1"/>
+    </dgm:linClrLst>
+    <dgm:effectClrLst/>
+    <dgm:txLinClrLst/>
+    <dgm:txFillClrLst/>
+    <dgm:txEffectClrLst/>
+  </dgm:styleLbl>
+  <dgm:styleLbl name="asst2">
+    <dgm:fillClrLst meth="repeat">
+      <a:schemeClr val="accent1"/>
+    </dgm:fillClrLst>
+    <dgm:linClrLst meth="repeat">
+      <a:schemeClr val="lt1"/>
+    </dgm:linClrLst>
+    <dgm:effectClrLst/>
+    <dgm:txLinClrLst/>
+    <dgm:txFillClrLst/>
+    <dgm:txEffectClrLst/>
+  </dgm:styleLbl>
+  <dgm:styleLbl name="asst3">
+    <dgm:fillClrLst meth="repeat">
+      <a:schemeClr val="accent1"/>
+    </dgm:fillClrLst>
+    <dgm:linClrLst meth="repeat">
+      <a:schemeClr val="lt1"/>
+    </dgm:linClrLst>
+    <dgm:effectClrLst/>
+    <dgm:txLinClrLst/>
+    <dgm:txFillClrLst/>
+    <dgm:txEffectClrLst/>
+  </dgm:styleLbl>
+  <dgm:styleLbl name="asst4">
+    <dgm:fillClrLst meth="repeat">
+      <a:schemeClr val="accent1"/>
+    </dgm:fillClrLst>
+    <dgm:linClrLst meth="repeat">
+      <a:schemeClr val="lt1"/>
+    </dgm:linClrLst>
+    <dgm:effectClrLst/>
+    <dgm:txLinClrLst/>
+    <dgm:txFillClrLst/>
+    <dgm:txEffectClrLst/>
+  </dgm:styleLbl>
+  <dgm:styleLbl name="parChTrans2D1">
+    <dgm:fillClrLst meth="repeat">
+      <a:schemeClr val="accent1">
+        <a:tint val="60000"/>
+      </a:schemeClr>
+    </dgm:fillClrLst>
+    <dgm:linClrLst meth="repeat">
+      <a:schemeClr val="accent1">
+        <a:tint val="60000"/>
+      </a:schemeClr>
+    </dgm:linClrLst>
+    <dgm:effectClrLst/>
+    <dgm:txLinClrLst/>
+    <dgm:txFillClrLst meth="repeat">
+      <a:schemeClr val="lt1"/>
+    </dgm:txFillClrLst>
+    <dgm:txEffectClrLst/>
+  </dgm:styleLbl>
+  <dgm:styleLbl name="parChTrans2D2">
+    <dgm:fillClrLst meth="repeat">
+      <a:schemeClr val="accent1"/>
+    </dgm:fillClrLst>
+    <dgm:linClrLst meth="repeat">
+      <a:schemeClr val="accent1"/>
+    </dgm:linClrLst>
+    <dgm:effectClrLst/>
+    <dgm:txLinClrLst/>
+    <dgm:txFillClrLst meth="repeat">
+      <a:schemeClr val="lt1"/>
+    </dgm:txFillClrLst>
+    <dgm:txEffectClrLst/>
+  </dgm:styleLbl>
+  <dgm:styleLbl name="parChTrans2D3">
+    <dgm:fillClrLst meth="repeat">
+      <a:schemeClr val="accent1"/>
+    </dgm:fillClrLst>
+    <dgm:linClrLst meth="repeat">
+      <a:schemeClr val="accent1"/>
+    </dgm:linClrLst>
+    <dgm:effectClrLst/>
+    <dgm:txLinClrLst/>
+    <dgm:txFillClrLst meth="repeat">
+      <a:schemeClr val="lt1"/>
+    </dgm:txFillClrLst>
+    <dgm:txEffectClrLst/>
+  </dgm:styleLbl>
+  <dgm:styleLbl name="parChTrans2D4">
+    <dgm:fillClrLst meth="repeat">
+      <a:schemeClr val="accent1"/>
+    </dgm:fillClrLst>
+    <dgm:linClrLst meth="repeat">
+      <a:schemeClr val="accent1"/>
+    </dgm:linClrLst>
+    <dgm:effectClrLst/>
+    <dgm:txLinClrLst/>
+    <dgm:txFillClrLst meth="repeat">
+      <a:schemeClr val="lt1"/>
+    </dgm:txFillClrLst>
+    <dgm:txEffectClrLst/>
+  </dgm:styleLbl>
+  <dgm:styleLbl name="parChTrans1D1">
+    <dgm:fillClrLst meth="repeat">
+      <a:schemeClr val="accent1"/>
+    </dgm:fillClrLst>
+    <dgm:linClrLst meth="repeat">
+      <a:schemeClr val="accent1">
+        <a:shade val="60000"/>
+      </a:schemeClr>
+    </dgm:linClrLst>
+    <dgm:effectClrLst/>
+    <dgm:txLinClrLst/>
+    <dgm:txFillClrLst meth="repeat">
+      <a:schemeClr val="tx1"/>
+    </dgm:txFillClrLst>
+    <dgm:txEffectClrLst/>
+  </dgm:styleLbl>
+  <dgm:styleLbl name="parChTrans1D2">
+    <dgm:fillClrLst meth="repeat">
+      <a:schemeClr val="accent1"/>
+    </dgm:fillClrLst>
+    <dgm:linClrLst meth="repeat">
+      <a:schemeClr val="accent1">
+        <a:shade val="60000"/>
+      </a:schemeClr>
+    </dgm:linClrLst>
+    <dgm:effectClrLst/>
+    <dgm:txLinClrLst/>
+    <dgm:txFillClrLst meth="repeat">
+      <a:schemeClr val="tx1"/>
+    </dgm:txFillClrLst>
+    <dgm:txEffectClrLst/>
+  </dgm:styleLbl>
+  <dgm:styleLbl name="parChTrans1D3">
+    <dgm:fillClrLst meth="repeat">
+      <a:schemeClr val="accent1"/>
+    </dgm:fillClrLst>
+    <dgm:linClrLst meth="repeat">
+      <a:schemeClr val="accent1">
+        <a:shade val="80000"/>
+      </a:schemeClr>
+    </dgm:linClrLst>
+    <dgm:effectClrLst/>
+    <dgm:txLinClrLst/>
+    <dgm:txFillClrLst meth="repeat">
+      <a:schemeClr val="tx1"/>
+    </dgm:txFillClrLst>
+    <dgm:txEffectClrLst/>
+  </dgm:styleLbl>
+  <dgm:styleLbl name="parChTrans1D4">
+    <dgm:fillClrLst meth="repeat">
+      <a:schemeClr val="accent1"/>
+    </dgm:fillClrLst>
+    <dgm:linClrLst meth="repeat">
+      <a:schemeClr val="accent1">
+        <a:shade val="80000"/>
+      </a:schemeClr>
+    </dgm:linClrLst>
+    <dgm:effectClrLst/>
+    <dgm:txLinClrLst/>
+    <dgm:txFillClrLst meth="repeat">
+      <a:schemeClr val="tx1"/>
+    </dgm:txFillClrLst>
+    <dgm:txEffectClrLst/>
+  </dgm:styleLbl>
+  <dgm:styleLbl name="fgAcc1">
+    <dgm:fillClrLst meth="repeat">
+      <a:schemeClr val="lt1">
+        <a:alpha val="90000"/>
+      </a:schemeClr>
+    </dgm:fillClrLst>
+    <dgm:linClrLst meth="repeat">
+      <a:schemeClr val="accent1"/>
+    </dgm:linClrLst>
+    <dgm:effectClrLst/>
+    <dgm:txLinClrLst/>
+    <dgm:txFillClrLst meth="repeat">
+      <a:schemeClr val="dk1"/>
+    </dgm:txFillClrLst>
+    <dgm:txEffectClrLst/>
+  </dgm:styleLbl>
+  <dgm:styleLbl name="conFgAcc1">
+    <dgm:fillClrLst meth="repeat">
+      <a:schemeClr val="lt1">
+        <a:alpha val="90000"/>
+      </a:schemeClr>
+    </dgm:fillClrLst>
+    <dgm:linClrLst meth="repeat">
+      <a:schemeClr val="accent1"/>
+    </dgm:linClrLst>
+    <dgm:effectClrLst/>
+    <dgm:txLinClrLst/>
+    <dgm:txFillClrLst meth="repeat">
+      <a:schemeClr val="dk1"/>
+    </dgm:txFillClrLst>
+    <dgm:txEffectClrLst/>
+  </dgm:styleLbl>
+  <dgm:styleLbl name="alignAcc1">
+    <dgm:fillClrLst meth="repeat">
+      <a:schemeClr val="lt1">
+        <a:alpha val="90000"/>
+      </a:schemeClr>
+    </dgm:fillClrLst>
+    <dgm:linClrLst meth="repeat">
+      <a:schemeClr val="accent1"/>
+    </dgm:linClrLst>
+    <dgm:effectClrLst/>
+    <dgm:txLinClrLst/>
+    <dgm:txFillClrLst meth="repeat">
+      <a:schemeClr val="dk1"/>
+    </dgm:txFillClrLst>
+    <dgm:txEffectClrLst/>
+  </dgm:styleLbl>
+  <dgm:styleLbl name="trAlignAcc1">
+    <dgm:fillClrLst meth="repeat">
+      <a:schemeClr val="lt1">
+        <a:alpha val="40000"/>
+      </a:schemeClr>
+    </dgm:fillClrLst>
+    <dgm:linClrLst meth="repeat">
+      <a:schemeClr val="accent1"/>
+    </dgm:linClrLst>
+    <dgm:effectClrLst/>
+    <dgm:txLinClrLst/>
+    <dgm:txFillClrLst meth="repeat">
+      <a:schemeClr val="dk1"/>
+    </dgm:txFillClrLst>
+    <dgm:txEffectClrLst/>
+  </dgm:styleLbl>
+  <dgm:styleLbl name="bgAcc1">
+    <dgm:fillClrLst meth="repeat">
+      <a:schemeClr val="lt1">
+        <a:alpha val="90000"/>
+      </a:schemeClr>
+    </dgm:fillClrLst>
+    <dgm:linClrLst meth="repeat">
+      <a:schemeClr val="accent1"/>
+    </dgm:linClrLst>
+    <dgm:effectClrLst/>
+    <dgm:txLinClrLst/>
+    <dgm:txFillClrLst meth="repeat">
+      <a:schemeClr val="dk1"/>
+    </dgm:txFillClrLst>
+    <dgm:txEffectClrLst/>
+  </dgm:styleLbl>
+  <dgm:styleLbl name="solidFgAcc1">
+    <dgm:fillClrLst meth="repeat">
+      <a:schemeClr val="lt1"/>
+    </dgm:fillClrLst>
+    <dgm:linClrLst meth="repeat">
+      <a:schemeClr val="accent1"/>
+    </dgm:linClrLst>
+    <dgm:effectClrLst/>
+    <dgm:txLinClrLst/>
+    <dgm:txFillClrLst meth="repeat">
+      <a:schemeClr val="dk1"/>
+    </dgm:txFillClrLst>
+    <dgm:txEffectClrLst/>
+  </dgm:styleLbl>
+  <dgm:styleLbl name="solidAlignAcc1">
+    <dgm:fillClrLst meth="repeat">
+      <a:schemeClr val="lt1"/>
+    </dgm:fillClrLst>
+    <dgm:linClrLst meth="repeat">
+      <a:schemeClr val="accent1"/>
+    </dgm:linClrLst>
+    <dgm:effectClrLst/>
+    <dgm:txLinClrLst/>
+    <dgm:txFillClrLst meth="repeat">
+      <a:schemeClr val="dk1"/>
+    </dgm:txFillClrLst>
+    <dgm:txEffectClrLst/>
+  </dgm:styleLbl>
+  <dgm:styleLbl name="solidBgAcc1">
+    <dgm:fillClrLst meth="repeat">
+      <a:schemeClr val="lt1"/>
+    </dgm:fillClrLst>
+    <dgm:linClrLst meth="repeat">
+      <a:schemeClr val="accent1"/>
+    </dgm:linClrLst>
+    <dgm:effectClrLst/>
+    <dgm:txLinClrLst/>
+    <dgm:txFillClrLst meth="repeat">
+      <a:schemeClr val="dk1"/>
+    </dgm:txFillClrLst>
+    <dgm:txEffectClrLst/>
+  </dgm:styleLbl>
+  <dgm:styleLbl name="fgAccFollowNode1">
+    <dgm:fillClrLst meth="repeat">
+      <a:schemeClr val="accent1">
+        <a:alpha val="90000"/>
+        <a:tint val="40000"/>
+      </a:schemeClr>
+    </dgm:fillClrLst>
+    <dgm:linClrLst meth="repeat">
+      <a:schemeClr val="accent1">
+        <a:alpha val="90000"/>
+        <a:tint val="40000"/>
+      </a:schemeClr>
+    </dgm:linClrLst>
+    <dgm:effectClrLst/>
+    <dgm:txLinClrLst/>
+    <dgm:txFillClrLst meth="repeat">
+      <a:schemeClr val="dk1"/>
+    </dgm:txFillClrLst>
+    <dgm:txEffectClrLst/>
+  </dgm:styleLbl>
+  <dgm:styleLbl name="alignAccFollowNode1">
+    <dgm:fillClrLst meth="repeat">
+      <a:schemeClr val="accent1">
+        <a:alpha val="90000"/>
+        <a:tint val="40000"/>
+      </a:schemeClr>
+    </dgm:fillClrLst>
+    <dgm:linClrLst meth="repeat">
+      <a:schemeClr val="accent1">
+        <a:alpha val="90000"/>
+        <a:tint val="40000"/>
+      </a:schemeClr>
+    </dgm:linClrLst>
+    <dgm:effectClrLst/>
+    <dgm:txLinClrLst/>
+    <dgm:txFillClrLst meth="repeat">
+      <a:schemeClr val="dk1"/>
+    </dgm:txFillClrLst>
+    <dgm:txEffectClrLst/>
+  </dgm:styleLbl>
+  <dgm:styleLbl name="bgAccFollowNode1">
+    <dgm:fillClrLst meth="repeat">
+      <a:schemeClr val="accent1">
+        <a:alpha val="90000"/>
+        <a:tint val="40000"/>
+      </a:schemeClr>
+    </dgm:fillClrLst>
+    <dgm:linClrLst meth="repeat">
+      <a:schemeClr val="accent1">
+        <a:alpha val="90000"/>
+        <a:tint val="40000"/>
+      </a:schemeClr>
+    </dgm:linClrLst>
+    <dgm:effectClrLst/>
+    <dgm:txLinClrLst/>
+    <dgm:txFillClrLst meth="repeat">
+      <a:schemeClr val="dk1"/>
+    </dgm:txFillClrLst>
+    <dgm:txEffectClrLst/>
+  </dgm:styleLbl>
+  <dgm:styleLbl name="fgAcc0">
+    <dgm:fillClrLst meth="repeat">
+      <a:schemeClr val="lt1">
+        <a:alpha val="90000"/>
+      </a:schemeClr>
+    </dgm:fillClrLst>
+    <dgm:linClrLst meth="repeat">
+      <a:schemeClr val="accent1"/>
+    </dgm:linClrLst>
+    <dgm:effectClrLst/>
+    <dgm:txLinClrLst/>
+    <dgm:txFillClrLst meth="repeat">
+      <a:schemeClr val="dk1"/>
+    </dgm:txFillClrLst>
+    <dgm:txEffectClrLst/>
+  </dgm:styleLbl>
+  <dgm:styleLbl name="fgAcc2">
+    <dgm:fillClrLst meth="repeat">
+      <a:schemeClr val="lt1">
+        <a:alpha val="90000"/>
+      </a:schemeClr>
+    </dgm:fillClrLst>
+    <dgm:linClrLst meth="repeat">
+      <a:schemeClr val="accent1"/>
+    </dgm:linClrLst>
+    <dgm:effectClrLst/>
+    <dgm:txLinClrLst/>
+    <dgm:txFillClrLst meth="repeat">
+      <a:schemeClr val="dk1"/>
+    </dgm:txFillClrLst>
+    <dgm:txEffectClrLst/>
+  </dgm:styleLbl>
+  <dgm:styleLbl name="fgAcc3">
+    <dgm:fillClrLst meth="repeat">
+      <a:schemeClr val="lt1">
+        <a:alpha val="90000"/>
+      </a:schemeClr>
+    </dgm:fillClrLst>
+    <dgm:linClrLst meth="repeat">
+      <a:schemeClr val="accent1"/>
+    </dgm:linClrLst>
+    <dgm:effectClrLst/>
+    <dgm:txLinClrLst/>
+    <dgm:txFillClrLst meth="repeat">
+      <a:schemeClr val="dk1"/>
+    </dgm:txFillClrLst>
+    <dgm:txEffectClrLst/>
+  </dgm:styleLbl>
+  <dgm:styleLbl name="fgAcc4">
+    <dgm:fillClrLst meth="repeat">
+      <a:schemeClr val="lt1">
+        <a:alpha val="90000"/>
+      </a:schemeClr>
+    </dgm:fillClrLst>
+    <dgm:linClrLst meth="repeat">
+      <a:schemeClr val="accent1"/>
+    </dgm:linClrLst>
+    <dgm:effectClrLst/>
+    <dgm:txLinClrLst/>
+    <dgm:txFillClrLst meth="repeat">
+      <a:schemeClr val="dk1"/>
+    </dgm:txFillClrLst>
+    <dgm:txEffectClrLst/>
+  </dgm:styleLbl>
+  <dgm:styleLbl name="bgShp">
+    <dgm:fillClrLst meth="repeat">
+      <a:schemeClr val="accent1">
+        <a:tint val="40000"/>
+      </a:schemeClr>
+    </dgm:fillClrLst>
+    <dgm:linClrLst meth="repeat">
+      <a:schemeClr val="accent1"/>
+    </dgm:linClrLst>
+    <dgm:effectClrLst/>
+    <dgm:txLinClrLst/>
+    <dgm:txFillClrLst meth="repeat">
+      <a:schemeClr val="dk1"/>
+    </dgm:txFillClrLst>
+    <dgm:txEffectClrLst/>
+  </dgm:styleLbl>
+  <dgm:styleLbl name="dkBgShp">
+    <dgm:fillClrLst meth="repeat">
+      <a:schemeClr val="accent1">
+        <a:shade val="80000"/>
+      </a:schemeClr>
+    </dgm:fillClrLst>
+    <dgm:linClrLst meth="repeat">
+      <a:schemeClr val="accent1"/>
+    </dgm:linClrLst>
+    <dgm:effectClrLst/>
+    <dgm:txLinClrLst/>
+    <dgm:txFillClrLst meth="repeat">
+      <a:schemeClr val="lt1"/>
+    </dgm:txFillClrLst>
+    <dgm:txEffectClrLst/>
+  </dgm:styleLbl>
+  <dgm:styleLbl name="trBgShp">
+    <dgm:fillClrLst meth="repeat">
+      <a:schemeClr val="accent1">
+        <a:tint val="50000"/>
+        <a:alpha val="40000"/>
+      </a:schemeClr>
+    </dgm:fillClrLst>
+    <dgm:linClrLst meth="repeat">
+      <a:schemeClr val="accent1"/>
+    </dgm:linClrLst>
+    <dgm:effectClrLst/>
+    <dgm:txLinClrLst/>
+    <dgm:txFillClrLst meth="repeat">
+      <a:schemeClr val="lt1"/>
+    </dgm:txFillClrLst>
+    <dgm:txEffectClrLst/>
+  </dgm:styleLbl>
+  <dgm:styleLbl name="fgShp">
+    <dgm:fillClrLst meth="repeat">
+      <a:schemeClr val="accent1">
+        <a:tint val="60000"/>
+      </a:schemeClr>
+    </dgm:fillClrLst>
+    <dgm:linClrLst meth="repeat">
+      <a:schemeClr val="lt1"/>
+    </dgm:linClrLst>
+    <dgm:effectClrLst/>
+    <dgm:txLinClrLst/>
+    <dgm:txFillClrLst meth="repeat">
+      <a:schemeClr val="dk1"/>
+    </dgm:txFillClrLst>
+    <dgm:txEffectClrLst/>
+  </dgm:styleLbl>
+  <dgm:styleLbl name="revTx">
+    <dgm:fillClrLst meth="repeat">
+      <a:schemeClr val="lt1">
+        <a:alpha val="0"/>
+      </a:schemeClr>
+    </dgm:fillClrLst>
+    <dgm:linClrLst meth="repeat">
+      <a:schemeClr val="dk1">
+        <a:alpha val="0"/>
+      </a:schemeClr>
+    </dgm:linClrLst>
+    <dgm:effectClrLst/>
+    <dgm:txLinClrLst/>
+    <dgm:txFillClrLst meth="repeat">
+      <a:schemeClr val="tx1"/>
+    </dgm:txFillClrLst>
+    <dgm:txEffectClrLst/>
+  </dgm:styleLbl>
+</dgm:colorsDef>
+</file>
+
+<file path=ppt/diagrams/data1.xml><?xml version="1.0" encoding="utf-8"?>
+<dgm:dataModel xmlns:dgm="http://schemas.openxmlformats.org/drawingml/2006/diagram" xmlns:a="http://schemas.openxmlformats.org/drawingml/2006/main">
+  <dgm:ptLst>
+    <dgm:pt modelId="{42D3A47F-40EA-4150-84DB-97B23F0D4BB1}" type="doc">
+      <dgm:prSet loTypeId="urn:microsoft.com/office/officeart/2005/8/layout/process1" loCatId="process" qsTypeId="urn:microsoft.com/office/officeart/2005/8/quickstyle/simple1" qsCatId="simple" csTypeId="urn:microsoft.com/office/officeart/2005/8/colors/accent1_2" csCatId="accent1" phldr="1"/>
+      <dgm:spPr/>
+    </dgm:pt>
+    <dgm:pt modelId="{1F3C0811-4A40-4C93-94ED-7E17B90FEE71}">
+      <dgm:prSet phldrT="[Text]"/>
+      <dgm:spPr/>
+      <dgm:t>
+        <a:bodyPr/>
+        <a:lstStyle/>
+        <a:p>
+          <a:r>
+            <a:rPr lang="en-US" dirty="0"/>
+            <a:t>Extract</a:t>
+          </a:r>
+        </a:p>
+      </dgm:t>
+    </dgm:pt>
+    <dgm:pt modelId="{68DEA8AF-6C22-468C-A756-1EC7A061EF31}" type="parTrans" cxnId="{15C24028-85B3-4461-B022-9F6674E22924}">
+      <dgm:prSet/>
+      <dgm:spPr/>
+      <dgm:t>
+        <a:bodyPr/>
+        <a:lstStyle/>
+        <a:p>
+          <a:endParaRPr lang="en-US"/>
+        </a:p>
+      </dgm:t>
+    </dgm:pt>
+    <dgm:pt modelId="{1791B75D-1513-4B15-B2AE-DD8E2E910022}" type="sibTrans" cxnId="{15C24028-85B3-4461-B022-9F6674E22924}">
+      <dgm:prSet/>
+      <dgm:spPr/>
+      <dgm:t>
+        <a:bodyPr/>
+        <a:lstStyle/>
+        <a:p>
+          <a:endParaRPr lang="en-US"/>
+        </a:p>
+      </dgm:t>
+    </dgm:pt>
+    <dgm:pt modelId="{41387EB9-78FB-4BD5-955A-CF756B3BA31D}">
+      <dgm:prSet phldrT="[Text]"/>
+      <dgm:spPr/>
+      <dgm:t>
+        <a:bodyPr/>
+        <a:lstStyle/>
+        <a:p>
+          <a:r>
+            <a:rPr lang="en-US" dirty="0"/>
+            <a:t>Transform</a:t>
+          </a:r>
+        </a:p>
+      </dgm:t>
+    </dgm:pt>
+    <dgm:pt modelId="{531BEE77-B8FF-4813-BE1C-C975E5E1A0E8}" type="parTrans" cxnId="{7D57E11A-ACFB-421C-9842-BA42F03E6159}">
+      <dgm:prSet/>
+      <dgm:spPr/>
+      <dgm:t>
+        <a:bodyPr/>
+        <a:lstStyle/>
+        <a:p>
+          <a:endParaRPr lang="en-US"/>
+        </a:p>
+      </dgm:t>
+    </dgm:pt>
+    <dgm:pt modelId="{3C927F79-009C-4717-B340-7BA5E7B41FB3}" type="sibTrans" cxnId="{7D57E11A-ACFB-421C-9842-BA42F03E6159}">
+      <dgm:prSet/>
+      <dgm:spPr/>
+      <dgm:t>
+        <a:bodyPr/>
+        <a:lstStyle/>
+        <a:p>
+          <a:endParaRPr lang="en-US"/>
+        </a:p>
+      </dgm:t>
+    </dgm:pt>
+    <dgm:pt modelId="{A7EAC573-4CB8-4516-AB25-AFA52B994CAC}">
+      <dgm:prSet phldrT="[Text]"/>
+      <dgm:spPr/>
+      <dgm:t>
+        <a:bodyPr/>
+        <a:lstStyle/>
+        <a:p>
+          <a:r>
+            <a:rPr lang="en-US" dirty="0"/>
+            <a:t>Load</a:t>
+          </a:r>
+        </a:p>
+      </dgm:t>
+    </dgm:pt>
+    <dgm:pt modelId="{70319073-4677-4123-A70E-A69BBA071394}" type="parTrans" cxnId="{CB738010-2BCB-48DF-93BD-BB26152A3286}">
+      <dgm:prSet/>
+      <dgm:spPr/>
+      <dgm:t>
+        <a:bodyPr/>
+        <a:lstStyle/>
+        <a:p>
+          <a:endParaRPr lang="en-US"/>
+        </a:p>
+      </dgm:t>
+    </dgm:pt>
+    <dgm:pt modelId="{81A44A34-F86A-410E-8F4B-BCC245A59786}" type="sibTrans" cxnId="{CB738010-2BCB-48DF-93BD-BB26152A3286}">
+      <dgm:prSet/>
+      <dgm:spPr/>
+      <dgm:t>
+        <a:bodyPr/>
+        <a:lstStyle/>
+        <a:p>
+          <a:endParaRPr lang="en-US"/>
+        </a:p>
+      </dgm:t>
+    </dgm:pt>
+    <dgm:pt modelId="{756CB177-9C2D-4734-9DC2-FD3313E1D3CA}" type="pres">
+      <dgm:prSet presAssocID="{42D3A47F-40EA-4150-84DB-97B23F0D4BB1}" presName="Name0" presStyleCnt="0">
+        <dgm:presLayoutVars>
+          <dgm:dir/>
+          <dgm:resizeHandles val="exact"/>
+        </dgm:presLayoutVars>
+      </dgm:prSet>
+      <dgm:spPr/>
+    </dgm:pt>
+    <dgm:pt modelId="{14D70A48-9B84-422A-ABFE-FBECE5151815}" type="pres">
+      <dgm:prSet presAssocID="{1F3C0811-4A40-4C93-94ED-7E17B90FEE71}" presName="node" presStyleLbl="node1" presStyleIdx="0" presStyleCnt="3" custScaleX="88782" custScaleY="70937">
+        <dgm:presLayoutVars>
+          <dgm:bulletEnabled val="1"/>
+        </dgm:presLayoutVars>
+      </dgm:prSet>
+      <dgm:spPr/>
+    </dgm:pt>
+    <dgm:pt modelId="{DC8F119A-41CE-4961-BF89-5A4DD296B8BC}" type="pres">
+      <dgm:prSet presAssocID="{1791B75D-1513-4B15-B2AE-DD8E2E910022}" presName="sibTrans" presStyleLbl="sibTrans2D1" presStyleIdx="0" presStyleCnt="2"/>
+      <dgm:spPr/>
+    </dgm:pt>
+    <dgm:pt modelId="{476C0B42-A9D9-44F8-9AC5-87AB6076D88C}" type="pres">
+      <dgm:prSet presAssocID="{1791B75D-1513-4B15-B2AE-DD8E2E910022}" presName="connectorText" presStyleLbl="sibTrans2D1" presStyleIdx="0" presStyleCnt="2"/>
+      <dgm:spPr/>
+    </dgm:pt>
+    <dgm:pt modelId="{6F1F8EDC-72EB-4978-81B4-92F730F0247A}" type="pres">
+      <dgm:prSet presAssocID="{41387EB9-78FB-4BD5-955A-CF756B3BA31D}" presName="node" presStyleLbl="node1" presStyleIdx="1" presStyleCnt="3" custScaleX="93383" custScaleY="64199">
+        <dgm:presLayoutVars>
+          <dgm:bulletEnabled val="1"/>
+        </dgm:presLayoutVars>
+      </dgm:prSet>
+      <dgm:spPr/>
+    </dgm:pt>
+    <dgm:pt modelId="{A7702EE7-36A2-4678-A80D-77AD37989F1B}" type="pres">
+      <dgm:prSet presAssocID="{3C927F79-009C-4717-B340-7BA5E7B41FB3}" presName="sibTrans" presStyleLbl="sibTrans2D1" presStyleIdx="1" presStyleCnt="2"/>
+      <dgm:spPr/>
+    </dgm:pt>
+    <dgm:pt modelId="{FB01B4BD-FD89-477C-BF6B-0330564DD1B8}" type="pres">
+      <dgm:prSet presAssocID="{3C927F79-009C-4717-B340-7BA5E7B41FB3}" presName="connectorText" presStyleLbl="sibTrans2D1" presStyleIdx="1" presStyleCnt="2"/>
+      <dgm:spPr/>
+    </dgm:pt>
+    <dgm:pt modelId="{5F202CD1-CD2B-4398-B130-7ABA7535B17C}" type="pres">
+      <dgm:prSet presAssocID="{A7EAC573-4CB8-4516-AB25-AFA52B994CAC}" presName="node" presStyleLbl="node1" presStyleIdx="2" presStyleCnt="3" custScaleX="76016" custScaleY="51616">
+        <dgm:presLayoutVars>
+          <dgm:bulletEnabled val="1"/>
+        </dgm:presLayoutVars>
+      </dgm:prSet>
+      <dgm:spPr/>
+    </dgm:pt>
+  </dgm:ptLst>
+  <dgm:cxnLst>
+    <dgm:cxn modelId="{CC10FA0D-5BC0-4381-AFBB-D5BD6239CFA0}" type="presOf" srcId="{1791B75D-1513-4B15-B2AE-DD8E2E910022}" destId="{DC8F119A-41CE-4961-BF89-5A4DD296B8BC}" srcOrd="0" destOrd="0" presId="urn:microsoft.com/office/officeart/2005/8/layout/process1"/>
+    <dgm:cxn modelId="{CB738010-2BCB-48DF-93BD-BB26152A3286}" srcId="{42D3A47F-40EA-4150-84DB-97B23F0D4BB1}" destId="{A7EAC573-4CB8-4516-AB25-AFA52B994CAC}" srcOrd="2" destOrd="0" parTransId="{70319073-4677-4123-A70E-A69BBA071394}" sibTransId="{81A44A34-F86A-410E-8F4B-BCC245A59786}"/>
+    <dgm:cxn modelId="{7D57E11A-ACFB-421C-9842-BA42F03E6159}" srcId="{42D3A47F-40EA-4150-84DB-97B23F0D4BB1}" destId="{41387EB9-78FB-4BD5-955A-CF756B3BA31D}" srcOrd="1" destOrd="0" parTransId="{531BEE77-B8FF-4813-BE1C-C975E5E1A0E8}" sibTransId="{3C927F79-009C-4717-B340-7BA5E7B41FB3}"/>
+    <dgm:cxn modelId="{15C24028-85B3-4461-B022-9F6674E22924}" srcId="{42D3A47F-40EA-4150-84DB-97B23F0D4BB1}" destId="{1F3C0811-4A40-4C93-94ED-7E17B90FEE71}" srcOrd="0" destOrd="0" parTransId="{68DEA8AF-6C22-468C-A756-1EC7A061EF31}" sibTransId="{1791B75D-1513-4B15-B2AE-DD8E2E910022}"/>
+    <dgm:cxn modelId="{F7B4DB31-E0E8-471E-BFD1-ABE677F9BF04}" type="presOf" srcId="{A7EAC573-4CB8-4516-AB25-AFA52B994CAC}" destId="{5F202CD1-CD2B-4398-B130-7ABA7535B17C}" srcOrd="0" destOrd="0" presId="urn:microsoft.com/office/officeart/2005/8/layout/process1"/>
+    <dgm:cxn modelId="{219E344A-787E-47B3-832C-2CC1C7A83AFD}" type="presOf" srcId="{41387EB9-78FB-4BD5-955A-CF756B3BA31D}" destId="{6F1F8EDC-72EB-4978-81B4-92F730F0247A}" srcOrd="0" destOrd="0" presId="urn:microsoft.com/office/officeart/2005/8/layout/process1"/>
+    <dgm:cxn modelId="{144D3F4C-6446-4F47-B0CC-99EE776C5326}" type="presOf" srcId="{3C927F79-009C-4717-B340-7BA5E7B41FB3}" destId="{A7702EE7-36A2-4678-A80D-77AD37989F1B}" srcOrd="0" destOrd="0" presId="urn:microsoft.com/office/officeart/2005/8/layout/process1"/>
+    <dgm:cxn modelId="{8F3E7E5E-52C4-4705-98DD-A98AA4CC998A}" type="presOf" srcId="{1791B75D-1513-4B15-B2AE-DD8E2E910022}" destId="{476C0B42-A9D9-44F8-9AC5-87AB6076D88C}" srcOrd="1" destOrd="0" presId="urn:microsoft.com/office/officeart/2005/8/layout/process1"/>
+    <dgm:cxn modelId="{72BBE8A6-64BA-47B6-A48B-BF02D29CA934}" type="presOf" srcId="{3C927F79-009C-4717-B340-7BA5E7B41FB3}" destId="{FB01B4BD-FD89-477C-BF6B-0330564DD1B8}" srcOrd="1" destOrd="0" presId="urn:microsoft.com/office/officeart/2005/8/layout/process1"/>
+    <dgm:cxn modelId="{D84DADB7-0408-4C29-AD86-A64825F677D9}" type="presOf" srcId="{1F3C0811-4A40-4C93-94ED-7E17B90FEE71}" destId="{14D70A48-9B84-422A-ABFE-FBECE5151815}" srcOrd="0" destOrd="0" presId="urn:microsoft.com/office/officeart/2005/8/layout/process1"/>
+    <dgm:cxn modelId="{042F1BD4-8F81-4B91-A1DD-D2531F6D56D9}" type="presOf" srcId="{42D3A47F-40EA-4150-84DB-97B23F0D4BB1}" destId="{756CB177-9C2D-4734-9DC2-FD3313E1D3CA}" srcOrd="0" destOrd="0" presId="urn:microsoft.com/office/officeart/2005/8/layout/process1"/>
+    <dgm:cxn modelId="{FF19C3C9-EBF7-4954-8204-7B99CE4EE538}" type="presParOf" srcId="{756CB177-9C2D-4734-9DC2-FD3313E1D3CA}" destId="{14D70A48-9B84-422A-ABFE-FBECE5151815}" srcOrd="0" destOrd="0" presId="urn:microsoft.com/office/officeart/2005/8/layout/process1"/>
+    <dgm:cxn modelId="{EEEE96F8-B08B-41DD-A3F1-7998B366F2E4}" type="presParOf" srcId="{756CB177-9C2D-4734-9DC2-FD3313E1D3CA}" destId="{DC8F119A-41CE-4961-BF89-5A4DD296B8BC}" srcOrd="1" destOrd="0" presId="urn:microsoft.com/office/officeart/2005/8/layout/process1"/>
+    <dgm:cxn modelId="{1C4F2403-A8ED-41C8-975E-C9AEEF8F6D67}" type="presParOf" srcId="{DC8F119A-41CE-4961-BF89-5A4DD296B8BC}" destId="{476C0B42-A9D9-44F8-9AC5-87AB6076D88C}" srcOrd="0" destOrd="0" presId="urn:microsoft.com/office/officeart/2005/8/layout/process1"/>
+    <dgm:cxn modelId="{76CA9EBC-292D-4A57-BBFB-9AB2C625B12C}" type="presParOf" srcId="{756CB177-9C2D-4734-9DC2-FD3313E1D3CA}" destId="{6F1F8EDC-72EB-4978-81B4-92F730F0247A}" srcOrd="2" destOrd="0" presId="urn:microsoft.com/office/officeart/2005/8/layout/process1"/>
+    <dgm:cxn modelId="{45CBDDFC-98E6-4B2F-8BC8-127CCDF7EBDC}" type="presParOf" srcId="{756CB177-9C2D-4734-9DC2-FD3313E1D3CA}" destId="{A7702EE7-36A2-4678-A80D-77AD37989F1B}" srcOrd="3" destOrd="0" presId="urn:microsoft.com/office/officeart/2005/8/layout/process1"/>
+    <dgm:cxn modelId="{C767CD6B-0852-4A09-9E6A-003EEF1F0CDF}" type="presParOf" srcId="{A7702EE7-36A2-4678-A80D-77AD37989F1B}" destId="{FB01B4BD-FD89-477C-BF6B-0330564DD1B8}" srcOrd="0" destOrd="0" presId="urn:microsoft.com/office/officeart/2005/8/layout/process1"/>
+    <dgm:cxn modelId="{063B735E-2186-431C-88C3-95F9BB10D03F}" type="presParOf" srcId="{756CB177-9C2D-4734-9DC2-FD3313E1D3CA}" destId="{5F202CD1-CD2B-4398-B130-7ABA7535B17C}" srcOrd="4" destOrd="0" presId="urn:microsoft.com/office/officeart/2005/8/layout/process1"/>
+  </dgm:cxnLst>
+  <dgm:bg/>
+  <dgm:whole/>
+  <dgm:extLst>
+    <a:ext uri="http://schemas.microsoft.com/office/drawing/2008/diagram">
+      <dsp:dataModelExt xmlns:dsp="http://schemas.microsoft.com/office/drawing/2008/diagram" relId="rId6" minVer="http://schemas.openxmlformats.org/drawingml/2006/diagram"/>
+    </a:ext>
+  </dgm:extLst>
+</dgm:dataModel>
+</file>
+
+<file path=ppt/diagrams/drawing1.xml><?xml version="1.0" encoding="utf-8"?>
+<dsp:drawing xmlns:dgm="http://schemas.openxmlformats.org/drawingml/2006/diagram" xmlns:dsp="http://schemas.microsoft.com/office/drawing/2008/diagram" xmlns:a="http://schemas.openxmlformats.org/drawingml/2006/main">
+  <dsp:spTree>
+    <dsp:nvGrpSpPr>
+      <dsp:cNvPr id="0" name=""/>
+      <dsp:cNvGrpSpPr/>
+    </dsp:nvGrpSpPr>
+    <dsp:grpSpPr/>
+    <dsp:sp modelId="{14D70A48-9B84-422A-ABFE-FBECE5151815}">
+      <dsp:nvSpPr>
+        <dsp:cNvPr id="0" name=""/>
+        <dsp:cNvSpPr/>
+      </dsp:nvSpPr>
+      <dsp:spPr>
+        <a:xfrm>
+          <a:off x="4026" y="246516"/>
+          <a:ext cx="2157153" cy="1034142"/>
+        </a:xfrm>
+        <a:prstGeom prst="roundRect">
+          <a:avLst>
+            <a:gd name="adj" fmla="val 10000"/>
+          </a:avLst>
+        </a:prstGeom>
+        <a:solidFill>
+          <a:schemeClr val="accent1">
+            <a:hueOff val="0"/>
+            <a:satOff val="0"/>
+            <a:lumOff val="0"/>
+            <a:alphaOff val="0"/>
+          </a:schemeClr>
+        </a:solidFill>
+        <a:ln w="12700" cap="flat" cmpd="sng" algn="ctr">
+          <a:solidFill>
+            <a:schemeClr val="lt1">
+              <a:hueOff val="0"/>
+              <a:satOff val="0"/>
+              <a:lumOff val="0"/>
+              <a:alphaOff val="0"/>
+            </a:schemeClr>
+          </a:solidFill>
+          <a:prstDash val="solid"/>
+          <a:miter lim="800000"/>
+        </a:ln>
+        <a:effectLst/>
+      </dsp:spPr>
+      <dsp:style>
+        <a:lnRef idx="2">
+          <a:scrgbClr r="0" g="0" b="0"/>
+        </a:lnRef>
+        <a:fillRef idx="1">
+          <a:scrgbClr r="0" g="0" b="0"/>
+        </a:fillRef>
+        <a:effectRef idx="0">
+          <a:scrgbClr r="0" g="0" b="0"/>
+        </a:effectRef>
+        <a:fontRef idx="minor">
+          <a:schemeClr val="lt1"/>
+        </a:fontRef>
+      </dsp:style>
+      <dsp:txBody>
+        <a:bodyPr spcFirstLastPara="0" vert="horz" wrap="square" lIns="121920" tIns="121920" rIns="121920" bIns="121920" numCol="1" spcCol="1270" anchor="ctr" anchorCtr="0">
+          <a:noAutofit/>
+        </a:bodyPr>
+        <a:lstStyle/>
+        <a:p>
+          <a:pPr marL="0" lvl="0" indent="0" algn="ctr" defTabSz="1422400">
+            <a:lnSpc>
+              <a:spcPct val="90000"/>
+            </a:lnSpc>
+            <a:spcBef>
+              <a:spcPct val="0"/>
+            </a:spcBef>
+            <a:spcAft>
+              <a:spcPct val="35000"/>
+            </a:spcAft>
+            <a:buNone/>
+          </a:pPr>
+          <a:r>
+            <a:rPr lang="en-US" sz="3200" kern="1200" dirty="0"/>
+            <a:t>Extract</a:t>
+          </a:r>
+        </a:p>
+      </dsp:txBody>
+      <dsp:txXfrm>
+        <a:off x="34315" y="276805"/>
+        <a:ext cx="2096575" cy="973564"/>
+      </dsp:txXfrm>
+    </dsp:sp>
+    <dsp:sp modelId="{DC8F119A-41CE-4961-BF89-5A4DD296B8BC}">
+      <dsp:nvSpPr>
+        <dsp:cNvPr id="0" name=""/>
+        <dsp:cNvSpPr/>
+      </dsp:nvSpPr>
+      <dsp:spPr>
+        <a:xfrm>
+          <a:off x="2404151" y="462302"/>
+          <a:ext cx="515100" cy="602570"/>
+        </a:xfrm>
+        <a:prstGeom prst="rightArrow">
+          <a:avLst>
+            <a:gd name="adj1" fmla="val 60000"/>
+            <a:gd name="adj2" fmla="val 50000"/>
+          </a:avLst>
+        </a:prstGeom>
+        <a:solidFill>
+          <a:schemeClr val="accent1">
+            <a:tint val="60000"/>
+            <a:hueOff val="0"/>
+            <a:satOff val="0"/>
+            <a:lumOff val="0"/>
+            <a:alphaOff val="0"/>
+          </a:schemeClr>
+        </a:solidFill>
+        <a:ln>
+          <a:noFill/>
+        </a:ln>
+        <a:effectLst/>
+      </dsp:spPr>
+      <dsp:style>
+        <a:lnRef idx="0">
+          <a:scrgbClr r="0" g="0" b="0"/>
+        </a:lnRef>
+        <a:fillRef idx="1">
+          <a:scrgbClr r="0" g="0" b="0"/>
+        </a:fillRef>
+        <a:effectRef idx="0">
+          <a:scrgbClr r="0" g="0" b="0"/>
+        </a:effectRef>
+        <a:fontRef idx="minor">
+          <a:schemeClr val="lt1"/>
+        </a:fontRef>
+      </dsp:style>
+      <dsp:txBody>
+        <a:bodyPr spcFirstLastPara="0" vert="horz" wrap="square" lIns="0" tIns="0" rIns="0" bIns="0" numCol="1" spcCol="1270" anchor="ctr" anchorCtr="0">
+          <a:noAutofit/>
+        </a:bodyPr>
+        <a:lstStyle/>
+        <a:p>
+          <a:pPr marL="0" lvl="0" indent="0" algn="ctr" defTabSz="1155700">
+            <a:lnSpc>
+              <a:spcPct val="90000"/>
+            </a:lnSpc>
+            <a:spcBef>
+              <a:spcPct val="0"/>
+            </a:spcBef>
+            <a:spcAft>
+              <a:spcPct val="35000"/>
+            </a:spcAft>
+            <a:buNone/>
+          </a:pPr>
+          <a:endParaRPr lang="en-US" sz="2600" kern="1200"/>
+        </a:p>
+      </dsp:txBody>
+      <dsp:txXfrm>
+        <a:off x="2404151" y="582816"/>
+        <a:ext cx="360570" cy="361542"/>
+      </dsp:txXfrm>
+    </dsp:sp>
+    <dsp:sp modelId="{6F1F8EDC-72EB-4978-81B4-92F730F0247A}">
+      <dsp:nvSpPr>
+        <dsp:cNvPr id="0" name=""/>
+        <dsp:cNvSpPr/>
+      </dsp:nvSpPr>
+      <dsp:spPr>
+        <a:xfrm>
+          <a:off x="3133067" y="295631"/>
+          <a:ext cx="2268945" cy="935913"/>
+        </a:xfrm>
+        <a:prstGeom prst="roundRect">
+          <a:avLst>
+            <a:gd name="adj" fmla="val 10000"/>
+          </a:avLst>
+        </a:prstGeom>
+        <a:solidFill>
+          <a:schemeClr val="accent1">
+            <a:hueOff val="0"/>
+            <a:satOff val="0"/>
+            <a:lumOff val="0"/>
+            <a:alphaOff val="0"/>
+          </a:schemeClr>
+        </a:solidFill>
+        <a:ln w="12700" cap="flat" cmpd="sng" algn="ctr">
+          <a:solidFill>
+            <a:schemeClr val="lt1">
+              <a:hueOff val="0"/>
+              <a:satOff val="0"/>
+              <a:lumOff val="0"/>
+              <a:alphaOff val="0"/>
+            </a:schemeClr>
+          </a:solidFill>
+          <a:prstDash val="solid"/>
+          <a:miter lim="800000"/>
+        </a:ln>
+        <a:effectLst/>
+      </dsp:spPr>
+      <dsp:style>
+        <a:lnRef idx="2">
+          <a:scrgbClr r="0" g="0" b="0"/>
+        </a:lnRef>
+        <a:fillRef idx="1">
+          <a:scrgbClr r="0" g="0" b="0"/>
+        </a:fillRef>
+        <a:effectRef idx="0">
+          <a:scrgbClr r="0" g="0" b="0"/>
+        </a:effectRef>
+        <a:fontRef idx="minor">
+          <a:schemeClr val="lt1"/>
+        </a:fontRef>
+      </dsp:style>
+      <dsp:txBody>
+        <a:bodyPr spcFirstLastPara="0" vert="horz" wrap="square" lIns="121920" tIns="121920" rIns="121920" bIns="121920" numCol="1" spcCol="1270" anchor="ctr" anchorCtr="0">
+          <a:noAutofit/>
+        </a:bodyPr>
+        <a:lstStyle/>
+        <a:p>
+          <a:pPr marL="0" lvl="0" indent="0" algn="ctr" defTabSz="1422400">
+            <a:lnSpc>
+              <a:spcPct val="90000"/>
+            </a:lnSpc>
+            <a:spcBef>
+              <a:spcPct val="0"/>
+            </a:spcBef>
+            <a:spcAft>
+              <a:spcPct val="35000"/>
+            </a:spcAft>
+            <a:buNone/>
+          </a:pPr>
+          <a:r>
+            <a:rPr lang="en-US" sz="3200" kern="1200" dirty="0"/>
+            <a:t>Transform</a:t>
+          </a:r>
+        </a:p>
+      </dsp:txBody>
+      <dsp:txXfrm>
+        <a:off x="3160479" y="323043"/>
+        <a:ext cx="2214121" cy="881089"/>
+      </dsp:txXfrm>
+    </dsp:sp>
+    <dsp:sp modelId="{A7702EE7-36A2-4678-A80D-77AD37989F1B}">
+      <dsp:nvSpPr>
+        <dsp:cNvPr id="0" name=""/>
+        <dsp:cNvSpPr/>
+      </dsp:nvSpPr>
+      <dsp:spPr>
+        <a:xfrm>
+          <a:off x="5644984" y="462302"/>
+          <a:ext cx="515100" cy="602570"/>
+        </a:xfrm>
+        <a:prstGeom prst="rightArrow">
+          <a:avLst>
+            <a:gd name="adj1" fmla="val 60000"/>
+            <a:gd name="adj2" fmla="val 50000"/>
+          </a:avLst>
+        </a:prstGeom>
+        <a:solidFill>
+          <a:schemeClr val="accent1">
+            <a:tint val="60000"/>
+            <a:hueOff val="0"/>
+            <a:satOff val="0"/>
+            <a:lumOff val="0"/>
+            <a:alphaOff val="0"/>
+          </a:schemeClr>
+        </a:solidFill>
+        <a:ln>
+          <a:noFill/>
+        </a:ln>
+        <a:effectLst/>
+      </dsp:spPr>
+      <dsp:style>
+        <a:lnRef idx="0">
+          <a:scrgbClr r="0" g="0" b="0"/>
+        </a:lnRef>
+        <a:fillRef idx="1">
+          <a:scrgbClr r="0" g="0" b="0"/>
+        </a:fillRef>
+        <a:effectRef idx="0">
+          <a:scrgbClr r="0" g="0" b="0"/>
+        </a:effectRef>
+        <a:fontRef idx="minor">
+          <a:schemeClr val="lt1"/>
+        </a:fontRef>
+      </dsp:style>
+      <dsp:txBody>
+        <a:bodyPr spcFirstLastPara="0" vert="horz" wrap="square" lIns="0" tIns="0" rIns="0" bIns="0" numCol="1" spcCol="1270" anchor="ctr" anchorCtr="0">
+          <a:noAutofit/>
+        </a:bodyPr>
+        <a:lstStyle/>
+        <a:p>
+          <a:pPr marL="0" lvl="0" indent="0" algn="ctr" defTabSz="1155700">
+            <a:lnSpc>
+              <a:spcPct val="90000"/>
+            </a:lnSpc>
+            <a:spcBef>
+              <a:spcPct val="0"/>
+            </a:spcBef>
+            <a:spcAft>
+              <a:spcPct val="35000"/>
+            </a:spcAft>
+            <a:buNone/>
+          </a:pPr>
+          <a:endParaRPr lang="en-US" sz="2600" kern="1200"/>
+        </a:p>
+      </dsp:txBody>
+      <dsp:txXfrm>
+        <a:off x="5644984" y="582816"/>
+        <a:ext cx="360570" cy="361542"/>
+      </dsp:txXfrm>
+    </dsp:sp>
+    <dsp:sp modelId="{5F202CD1-CD2B-4398-B130-7ABA7535B17C}">
+      <dsp:nvSpPr>
+        <dsp:cNvPr id="0" name=""/>
+        <dsp:cNvSpPr/>
+      </dsp:nvSpPr>
+      <dsp:spPr>
+        <a:xfrm>
+          <a:off x="6373900" y="387350"/>
+          <a:ext cx="1846975" cy="752474"/>
+        </a:xfrm>
+        <a:prstGeom prst="roundRect">
+          <a:avLst>
+            <a:gd name="adj" fmla="val 10000"/>
+          </a:avLst>
+        </a:prstGeom>
+        <a:solidFill>
+          <a:schemeClr val="accent1">
+            <a:hueOff val="0"/>
+            <a:satOff val="0"/>
+            <a:lumOff val="0"/>
+            <a:alphaOff val="0"/>
+          </a:schemeClr>
+        </a:solidFill>
+        <a:ln w="12700" cap="flat" cmpd="sng" algn="ctr">
+          <a:solidFill>
+            <a:schemeClr val="lt1">
+              <a:hueOff val="0"/>
+              <a:satOff val="0"/>
+              <a:lumOff val="0"/>
+              <a:alphaOff val="0"/>
+            </a:schemeClr>
+          </a:solidFill>
+          <a:prstDash val="solid"/>
+          <a:miter lim="800000"/>
+        </a:ln>
+        <a:effectLst/>
+      </dsp:spPr>
+      <dsp:style>
+        <a:lnRef idx="2">
+          <a:scrgbClr r="0" g="0" b="0"/>
+        </a:lnRef>
+        <a:fillRef idx="1">
+          <a:scrgbClr r="0" g="0" b="0"/>
+        </a:fillRef>
+        <a:effectRef idx="0">
+          <a:scrgbClr r="0" g="0" b="0"/>
+        </a:effectRef>
+        <a:fontRef idx="minor">
+          <a:schemeClr val="lt1"/>
+        </a:fontRef>
+      </dsp:style>
+      <dsp:txBody>
+        <a:bodyPr spcFirstLastPara="0" vert="horz" wrap="square" lIns="121920" tIns="121920" rIns="121920" bIns="121920" numCol="1" spcCol="1270" anchor="ctr" anchorCtr="0">
+          <a:noAutofit/>
+        </a:bodyPr>
+        <a:lstStyle/>
+        <a:p>
+          <a:pPr marL="0" lvl="0" indent="0" algn="ctr" defTabSz="1422400">
+            <a:lnSpc>
+              <a:spcPct val="90000"/>
+            </a:lnSpc>
+            <a:spcBef>
+              <a:spcPct val="0"/>
+            </a:spcBef>
+            <a:spcAft>
+              <a:spcPct val="35000"/>
+            </a:spcAft>
+            <a:buNone/>
+          </a:pPr>
+          <a:r>
+            <a:rPr lang="en-US" sz="3200" kern="1200" dirty="0"/>
+            <a:t>Load</a:t>
+          </a:r>
+        </a:p>
+      </dsp:txBody>
+      <dsp:txXfrm>
+        <a:off x="6395939" y="409389"/>
+        <a:ext cx="1802897" cy="708396"/>
+      </dsp:txXfrm>
+    </dsp:sp>
+  </dsp:spTree>
+</dsp:drawing>
+</file>
+
+<file path=ppt/diagrams/layout1.xml><?xml version="1.0" encoding="utf-8"?>
+<dgm:layoutDef xmlns:dgm="http://schemas.openxmlformats.org/drawingml/2006/diagram" xmlns:a="http://schemas.openxmlformats.org/drawingml/2006/main" uniqueId="urn:microsoft.com/office/officeart/2005/8/layout/process1">
+  <dgm:title val=""/>
+  <dgm:desc val=""/>
+  <dgm:catLst>
+    <dgm:cat type="process" pri="1000"/>
+    <dgm:cat type="convert" pri="15000"/>
+  </dgm:catLst>
+  <dgm:sampData useDef="1">
+    <dgm:dataModel>
+      <dgm:ptLst/>
+      <dgm:bg/>
+      <dgm:whole/>
+    </dgm:dataModel>
+  </dgm:sampData>
+  <dgm:styleData>
+    <dgm:dataModel>
+      <dgm:ptLst>
+        <dgm:pt modelId="0" type="doc"/>
+        <dgm:pt modelId="1"/>
+        <dgm:pt modelId="2"/>
+      </dgm:ptLst>
+      <dgm:cxnLst>
+        <dgm:cxn modelId="3" srcId="0" destId="1" srcOrd="0" destOrd="0"/>
+        <dgm:cxn modelId="4" srcId="0" destId="2" srcOrd="1" destOrd="0"/>
+      </dgm:cxnLst>
+      <dgm:bg/>
+      <dgm:whole/>
+    </dgm:dataModel>
+  </dgm:styleData>
+  <dgm:clrData>
+    <dgm:dataModel>
+      <dgm:ptLst>
+        <dgm:pt modelId="0" type="doc"/>
+        <dgm:pt modelId="1"/>
+        <dgm:pt modelId="2"/>
+        <dgm:pt modelId="3"/>
+        <dgm:pt modelId="4"/>
+      </dgm:ptLst>
+      <dgm:cxnLst>
+        <dgm:cxn modelId="5" srcId="0" destId="1" srcOrd="0" destOrd="0"/>
+        <dgm:cxn modelId="6" srcId="0" destId="2" srcOrd="1" destOrd="0"/>
+        <dgm:cxn modelId="7" srcId="0" destId="3" srcOrd="2" destOrd="0"/>
+        <dgm:cxn modelId="8" srcId="0" destId="4" srcOrd="3" destOrd="0"/>
+      </dgm:cxnLst>
+      <dgm:bg/>
+      <dgm:whole/>
+    </dgm:dataModel>
+  </dgm:clrData>
+  <dgm:layoutNode name="Name0">
+    <dgm:varLst>
+      <dgm:dir/>
+      <dgm:resizeHandles val="exact"/>
+    </dgm:varLst>
+    <dgm:choose name="Name1">
+      <dgm:if name="Name2" func="var" arg="dir" op="equ" val="norm">
+        <dgm:alg type="lin"/>
+      </dgm:if>
+      <dgm:else name="Name3">
+        <dgm:alg type="lin">
+          <dgm:param type="linDir" val="fromR"/>
+        </dgm:alg>
+      </dgm:else>
+    </dgm:choose>
+    <dgm:shape xmlns:r="http://schemas.openxmlformats.org/officeDocument/2006/relationships" r:blip="">
+      <dgm:adjLst/>
+    </dgm:shape>
+    <dgm:presOf/>
+    <dgm:constrLst>
+      <dgm:constr type="w" for="ch" ptType="node" refType="w"/>
+      <dgm:constr type="h" for="ch" ptType="node" op="equ"/>
+      <dgm:constr type="primFontSz" for="ch" ptType="node" op="equ" val="65"/>
+      <dgm:constr type="w" for="ch" ptType="sibTrans" refType="w" refFor="ch" refPtType="node" op="equ" fact="0.4"/>
+      <dgm:constr type="h" for="ch" ptType="sibTrans" op="equ"/>
+      <dgm:constr type="primFontSz" for="des" forName="connectorText" op="equ" val="55"/>
+      <dgm:constr type="primFontSz" for="des" forName="connectorText" refType="primFontSz" refFor="ch" refPtType="node" op="lte" fact="0.8"/>
+    </dgm:constrLst>
+    <dgm:ruleLst/>
+    <dgm:forEach name="nodesForEach" axis="ch" ptType="node">
+      <dgm:layoutNode name="node">
+        <dgm:varLst>
+          <dgm:bulletEnabled val="1"/>
+        </dgm:varLst>
+        <dgm:alg type="tx"/>
+        <dgm:shape xmlns:r="http://schemas.openxmlformats.org/officeDocument/2006/relationships" type="roundRect" r:blip="">
+          <dgm:adjLst>
+            <dgm:adj idx="1" val="0.1"/>
+          </dgm:adjLst>
+        </dgm:shape>
+        <dgm:presOf axis="desOrSelf" ptType="node"/>
+        <dgm:constrLst>
+          <dgm:constr type="h" refType="w" fact="0.6"/>
+          <dgm:constr type="tMarg" refType="primFontSz" fact="0.3"/>
+          <dgm:constr type="bMarg" refType="primFontSz" fact="0.3"/>
+          <dgm:constr type="lMarg" refType="primFontSz" fact="0.3"/>
+          <dgm:constr type="rMarg" refType="primFontSz" fact="0.3"/>
+        </dgm:constrLst>
+        <dgm:ruleLst>
+          <dgm:rule type="primFontSz" val="18" fact="NaN" max="NaN"/>
+          <dgm:rule type="h" val="NaN" fact="1.5" max="NaN"/>
+          <dgm:rule type="primFontSz" val="5" fact="NaN" max="NaN"/>
+          <dgm:rule type="h" val="INF" fact="NaN" max="NaN"/>
+        </dgm:ruleLst>
+      </dgm:layoutNode>
+      <dgm:forEach name="sibTransForEach" axis="followSib" ptType="sibTrans" cnt="1">
+        <dgm:layoutNode name="sibTrans">
+          <dgm:alg type="conn">
+            <dgm:param type="begPts" val="auto"/>
+            <dgm:param type="endPts" val="auto"/>
+          </dgm:alg>
+          <dgm:shape xmlns:r="http://schemas.openxmlformats.org/officeDocument/2006/relationships" type="conn" r:blip="">
+            <dgm:adjLst/>
+          </dgm:shape>
+          <dgm:presOf axis="self"/>
+          <dgm:constrLst>
+            <dgm:constr type="h" refType="w" fact="0.62"/>
+            <dgm:constr type="connDist"/>
+            <dgm:constr type="begPad" refType="connDist" fact="0.25"/>
+            <dgm:constr type="endPad" refType="connDist" fact="0.22"/>
+          </dgm:constrLst>
+          <dgm:ruleLst/>
+          <dgm:layoutNode name="connectorText">
+            <dgm:alg type="tx">
+              <dgm:param type="autoTxRot" val="grav"/>
+            </dgm:alg>
+            <dgm:shape xmlns:r="http://schemas.openxmlformats.org/officeDocument/2006/relationships" type="conn" r:blip="" hideGeom="1">
+              <dgm:adjLst/>
+            </dgm:shape>
+            <dgm:presOf axis="self"/>
+            <dgm:constrLst>
+              <dgm:constr type="lMarg"/>
+              <dgm:constr type="rMarg"/>
+              <dgm:constr type="tMarg"/>
+              <dgm:constr type="bMarg"/>
+            </dgm:constrLst>
+            <dgm:ruleLst>
+              <dgm:rule type="primFontSz" val="5" fact="NaN" max="NaN"/>
+            </dgm:ruleLst>
+          </dgm:layoutNode>
+        </dgm:layoutNode>
+      </dgm:forEach>
+    </dgm:forEach>
+  </dgm:layoutNode>
+</dgm:layoutDef>
+</file>
+
+<file path=ppt/diagrams/quickStyle1.xml><?xml version="1.0" encoding="utf-8"?>
+<dgm:styleDef xmlns:dgm="http://schemas.openxmlformats.org/drawingml/2006/diagram" xmlns:a="http://schemas.openxmlformats.org/drawingml/2006/main" uniqueId="urn:microsoft.com/office/officeart/2005/8/quickstyle/simple1">
+  <dgm:title val=""/>
+  <dgm:desc val=""/>
+  <dgm:catLst>
+    <dgm:cat type="simple" pri="10100"/>
+  </dgm:catLst>
+  <dgm:scene3d>
+    <a:camera prst="orthographicFront"/>
+    <a:lightRig rig="threePt" dir="t"/>
+  </dgm:scene3d>
+  <dgm:styleLbl name="node0">
+    <dgm:scene3d>
+      <a:camera prst="orthographicFront"/>
+      <a:lightRig rig="threePt" dir="t"/>
+    </dgm:scene3d>
+    <dgm:sp3d/>
+    <dgm:txPr/>
+    <dgm:style>
+      <a:lnRef idx="2">
+        <a:scrgbClr r="0" g="0" b="0"/>
+      </a:lnRef>
+      <a:fillRef idx="1">
+        <a:scrgbClr r="0" g="0" b="0"/>
+      </a:fillRef>
+      <a:effectRef idx="0">
+        <a:scrgbClr r="0" g="0" b="0"/>
+      </a:effectRef>
+      <a:fontRef idx="minor">
+        <a:schemeClr val="lt1"/>
+      </a:fontRef>
+    </dgm:style>
+  </dgm:styleLbl>
+  <dgm:styleLbl name="lnNode1">
+    <dgm:scene3d>
+      <a:camera prst="orthographicFront"/>
+      <a:lightRig rig="threePt" dir="t"/>
+    </dgm:scene3d>
+    <dgm:sp3d/>
+    <dgm:txPr/>
+    <dgm:style>
+      <a:lnRef idx="2">
+        <a:scrgbClr r="0" g="0" b="0"/>
+      </a:lnRef>
+      <a:fillRef idx="1">
+        <a:scrgbClr r="0" g="0" b="0"/>
+      </a:fillRef>
+      <a:effectRef idx="0">
+        <a:scrgbClr r="0" g="0" b="0"/>
+      </a:effectRef>
+      <a:fontRef idx="minor">
+        <a:schemeClr val="lt1"/>
+      </a:fontRef>
+    </dgm:style>
+  </dgm:styleLbl>
+  <dgm:styleLbl name="vennNode1">
+    <dgm:scene3d>
+      <a:camera prst="orthographicFront"/>
+      <a:lightRig rig="threePt" dir="t"/>
+    </dgm:scene3d>
+    <dgm:sp3d/>
+    <dgm:txPr/>
+    <dgm:style>
+      <a:lnRef idx="2">
+        <a:scrgbClr r="0" g="0" b="0"/>
+      </a:lnRef>
+      <a:fillRef idx="1">
+        <a:scrgbClr r="0" g="0" b="0"/>
+      </a:fillRef>
+      <a:effectRef idx="0">
+        <a:scrgbClr r="0" g="0" b="0"/>
+      </a:effectRef>
+      <a:fontRef idx="minor">
+        <a:schemeClr val="tx1"/>
+      </a:fontRef>
+    </dgm:style>
+  </dgm:styleLbl>
+  <dgm:styleLbl name="alignNode1">
+    <dgm:scene3d>
+      <a:camera prst="orthographicFront"/>
+      <a:lightRig rig="threePt" dir="t"/>
+    </dgm:scene3d>
+    <dgm:sp3d/>
+    <dgm:txPr/>
+    <dgm:style>
+      <a:lnRef idx="2">
+        <a:scrgbClr r="0" g="0" b="0"/>
+      </a:lnRef>
+      <a:fillRef idx="1">
+        <a:scrgbClr r="0" g="0" b="0"/>
+      </a:fillRef>
+      <a:effectRef idx="0">
+        <a:scrgbClr r="0" g="0" b="0"/>
+      </a:effectRef>
+      <a:fontRef idx="minor">
+        <a:schemeClr val="lt1"/>
+      </a:fontRef>
+    </dgm:style>
+  </dgm:styleLbl>
+  <dgm:styleLbl name="node1">
+    <dgm:scene3d>
+      <a:camera prst="orthographicFront"/>
+      <a:lightRig rig="threePt" dir="t"/>
+    </dgm:scene3d>
+    <dgm:sp3d/>
+    <dgm:txPr/>
+    <dgm:style>
+      <a:lnRef idx="2">
+        <a:scrgbClr r="0" g="0" b="0"/>
+      </a:lnRef>
+      <a:fillRef idx="1">
+        <a:scrgbClr r="0" g="0" b="0"/>
+      </a:fillRef>
+      <a:effectRef idx="0">
+        <a:scrgbClr r="0" g="0" b="0"/>
+      </a:effectRef>
+      <a:fontRef idx="minor">
+        <a:schemeClr val="lt1"/>
+      </a:fontRef>
+    </dgm:style>
+  </dgm:styleLbl>
+  <dgm:styleLbl name="node2">
+    <dgm:scene3d>
+      <a:camera prst="orthographicFront"/>
+      <a:lightRig rig="threePt" dir="t"/>
+    </dgm:scene3d>
+    <dgm:sp3d/>
+    <dgm:txPr/>
+    <dgm:style>
+      <a:lnRef idx="2">
+        <a:scrgbClr r="0" g="0" b="0"/>
+      </a:lnRef>
+      <a:fillRef idx="1">
+        <a:scrgbClr r="0" g="0" b="0"/>
+      </a:fillRef>
+      <a:effectRef idx="0">
+        <a:scrgbClr r="0" g="0" b="0"/>
+      </a:effectRef>
+      <a:fontRef idx="minor">
+        <a:schemeClr val="lt1"/>
+      </a:fontRef>
+    </dgm:style>
+  </dgm:styleLbl>
+  <dgm:styleLbl name="node3">
+    <dgm:scene3d>
+      <a:camera prst="orthographicFront"/>
+      <a:lightRig rig="threePt" dir="t"/>
+    </dgm:scene3d>
+    <dgm:sp3d/>
+    <dgm:txPr/>
+    <dgm:style>
+      <a:lnRef idx="2">
+        <a:scrgbClr r="0" g="0" b="0"/>
+      </a:lnRef>
+      <a:fillRef idx="1">
+        <a:scrgbClr r="0" g="0" b="0"/>
+      </a:fillRef>
+      <a:effectRef idx="0">
+        <a:scrgbClr r="0" g="0" b="0"/>
+      </a:effectRef>
+      <a:fontRef idx="minor">
+        <a:schemeClr val="lt1"/>
+      </a:fontRef>
+    </dgm:style>
+  </dgm:styleLbl>
+  <dgm:styleLbl name="node4">
+    <dgm:scene3d>
+      <a:camera prst="orthographicFront"/>
+      <a:lightRig rig="threePt" dir="t"/>
+    </dgm:scene3d>
+    <dgm:sp3d/>
+    <dgm:txPr/>
+    <dgm:style>
+      <a:lnRef idx="2">
+        <a:scrgbClr r="0" g="0" b="0"/>
+      </a:lnRef>
+      <a:fillRef idx="1">
+        <a:scrgbClr r="0" g="0" b="0"/>
+      </a:fillRef>
+      <a:effectRef idx="0">
+        <a:scrgbClr r="0" g="0" b="0"/>
+      </a:effectRef>
+      <a:fontRef idx="minor">
+        <a:schemeClr val="lt1"/>
+      </a:fontRef>
+    </dgm:style>
+  </dgm:styleLbl>
+  <dgm:styleLbl name="fgImgPlace1">
+    <dgm:scene3d>
+      <a:camera prst="orthographicFront"/>
+      <a:lightRig rig="threePt" dir="t"/>
+    </dgm:scene3d>
+    <dgm:sp3d/>
+    <dgm:txPr/>
+    <dgm:style>
+      <a:lnRef idx="2">
+        <a:scrgbClr r="0" g="0" b="0"/>
+      </a:lnRef>
+      <a:fillRef idx="1">
+        <a:scrgbClr r="0" g="0" b="0"/>
+      </a:fillRef>
+      <a:effectRef idx="0">
+        <a:scrgbClr r="0" g="0" b="0"/>
+      </a:effectRef>
+      <a:fontRef idx="minor"/>
+    </dgm:style>
+  </dgm:styleLbl>
+  <dgm:styleLbl name="alignImgPlace1">
+    <dgm:scene3d>
+      <a:camera prst="orthographicFront"/>
+      <a:lightRig rig="threePt" dir="t"/>
+    </dgm:scene3d>
+    <dgm:sp3d/>
+    <dgm:txPr/>
+    <dgm:style>
+      <a:lnRef idx="2">
+        <a:scrgbClr r="0" g="0" b="0"/>
+      </a:lnRef>
+      <a:fillRef idx="1">
+        <a:scrgbClr r="0" g="0" b="0"/>
+      </a:fillRef>
+      <a:effectRef idx="0">
+        <a:scrgbClr r="0" g="0" b="0"/>
+      </a:effectRef>
+      <a:fontRef idx="minor"/>
+    </dgm:style>
+  </dgm:styleLbl>
+  <dgm:styleLbl name="bgImgPlace1">
+    <dgm:scene3d>
+      <a:camera prst="orthographicFront"/>
+      <a:lightRig rig="threePt" dir="t"/>
+    </dgm:scene3d>
+    <dgm:sp3d/>
+    <dgm:txPr/>
+    <dgm:style>
+      <a:lnRef idx="2">
+        <a:scrgbClr r="0" g="0" b="0"/>
+      </a:lnRef>
+      <a:fillRef idx="1">
+        <a:scrgbClr r="0" g="0" b="0"/>
+      </a:fillRef>
+      <a:effectRef idx="0">
+        <a:scrgbClr r="0" g="0" b="0"/>
+      </a:effectRef>
+      <a:fontRef idx="minor"/>
+    </dgm:style>
+  </dgm:styleLbl>
+  <dgm:styleLbl name="sibTrans2D1">
+    <dgm:scene3d>
+      <a:camera prst="orthographicFront"/>
+      <a:lightRig rig="threePt" dir="t"/>
+    </dgm:scene3d>
+    <dgm:sp3d/>
+    <dgm:txPr/>
+    <dgm:style>
+      <a:lnRef idx="0">
+        <a:scrgbClr r="0" g="0" b="0"/>
+      </a:lnRef>
+      <a:fillRef idx="1">
+        <a:scrgbClr r="0" g="0" b="0"/>
+      </a:fillRef>
+      <a:effectRef idx="0">
+        <a:scrgbClr r="0" g="0" b="0"/>
+      </a:effectRef>
+      <a:fontRef idx="minor">
+        <a:schemeClr val="lt1"/>
+      </a:fontRef>
+    </dgm:style>
+  </dgm:styleLbl>
+  <dgm:styleLbl name="fgSibTrans2D1">
+    <dgm:scene3d>
+      <a:camera prst="orthographicFront"/>
+      <a:lightRig rig="threePt" dir="t"/>
+    </dgm:scene3d>
+    <dgm:sp3d/>
+    <dgm:txPr/>
+    <dgm:style>
+      <a:lnRef idx="0">
+        <a:scrgbClr r="0" g="0" b="0"/>
+      </a:lnRef>
+      <a:fillRef idx="1">
+        <a:scrgbClr r="0" g="0" b="0"/>
+      </a:fillRef>
+      <a:effectRef idx="0">
+        <a:scrgbClr r="0" g="0" b="0"/>
+      </a:effectRef>
+      <a:fontRef idx="minor">
+        <a:schemeClr val="lt1"/>
+      </a:fontRef>
+    </dgm:style>
+  </dgm:styleLbl>
+  <dgm:styleLbl name="bgSibTrans2D1">
+    <dgm:scene3d>
+      <a:camera prst="orthographicFront"/>
+      <a:lightRig rig="threePt" dir="t"/>
+    </dgm:scene3d>
+    <dgm:sp3d/>
+    <dgm:txPr/>
+    <dgm:style>
+      <a:lnRef idx="0">
+        <a:scrgbClr r="0" g="0" b="0"/>
+      </a:lnRef>
+      <a:fillRef idx="1">
+        <a:scrgbClr r="0" g="0" b="0"/>
+      </a:fillRef>
+      <a:effectRef idx="0">
+        <a:scrgbClr r="0" g="0" b="0"/>
+      </a:effectRef>
+      <a:fontRef idx="minor">
+        <a:schemeClr val="lt1"/>
+      </a:fontRef>
+    </dgm:style>
+  </dgm:styleLbl>
+  <dgm:styleLbl name="sibTrans1D1">
+    <dgm:scene3d>
+      <a:camera prst="orthographicFront"/>
+      <a:lightRig rig="threePt" dir="t"/>
+    </dgm:scene3d>
+    <dgm:sp3d/>
+    <dgm:txPr/>
+    <dgm:style>
+      <a:lnRef idx="1">
+        <a:scrgbClr r="0" g="0" b="0"/>
+      </a:lnRef>
+      <a:fillRef idx="0">
+        <a:scrgbClr r="0" g="0" b="0"/>
+      </a:fillRef>
+      <a:effectRef idx="0">
+        <a:scrgbClr r="0" g="0" b="0"/>
+      </a:effectRef>
+      <a:fontRef idx="minor"/>
+    </dgm:style>
+  </dgm:styleLbl>
+  <dgm:styleLbl name="callout">
+    <dgm:scene3d>
+      <a:camera prst="orthographicFront"/>
+      <a:lightRig rig="threePt" dir="t"/>
+    </dgm:scene3d>
+    <dgm:sp3d/>
+    <dgm:txPr/>
+    <dgm:style>
+      <a:lnRef idx="2">
+        <a:scrgbClr r="0" g="0" b="0"/>
+      </a:lnRef>
+      <a:fillRef idx="1">
+        <a:scrgbClr r="0" g="0" b="0"/>
+      </a:fillRef>
+      <a:effectRef idx="0">
+        <a:scrgbClr r="0" g="0" b="0"/>
+      </a:effectRef>
+      <a:fontRef idx="minor"/>
+    </dgm:style>
+  </dgm:styleLbl>
+  <dgm:styleLbl name="asst0">
+    <dgm:scene3d>
+      <a:camera prst="orthographicFront"/>
+      <a:lightRig rig="threePt" dir="t"/>
+    </dgm:scene3d>
+    <dgm:sp3d/>
+    <dgm:txPr/>
+    <dgm:style>
+      <a:lnRef idx="2">
+        <a:scrgbClr r="0" g="0" b="0"/>
+      </a:lnRef>
+      <a:fillRef idx="1">
+        <a:scrgbClr r="0" g="0" b="0"/>
+      </a:fillRef>
+      <a:effectRef idx="0">
+        <a:scrgbClr r="0" g="0" b="0"/>
+      </a:effectRef>
+      <a:fontRef idx="minor">
+        <a:schemeClr val="lt1"/>
+      </a:fontRef>
+    </dgm:style>
+  </dgm:styleLbl>
+  <dgm:styleLbl name="asst1">
+    <dgm:scene3d>
+      <a:camera prst="orthographicFront"/>
+      <a:lightRig rig="threePt" dir="t"/>
+    </dgm:scene3d>
+    <dgm:sp3d/>
+    <dgm:txPr/>
+    <dgm:style>
+      <a:lnRef idx="2">
+        <a:scrgbClr r="0" g="0" b="0"/>
+      </a:lnRef>
+      <a:fillRef idx="1">
+        <a:scrgbClr r="0" g="0" b="0"/>
+      </a:fillRef>
+      <a:effectRef idx="0">
+        <a:scrgbClr r="0" g="0" b="0"/>
+      </a:effectRef>
+      <a:fontRef idx="minor">
+        <a:schemeClr val="lt1"/>
+      </a:fontRef>
+    </dgm:style>
+  </dgm:styleLbl>
+  <dgm:styleLbl name="asst2">
+    <dgm:scene3d>
+      <a:camera prst="orthographicFront"/>
+      <a:lightRig rig="threePt" dir="t"/>
+    </dgm:scene3d>
+    <dgm:sp3d/>
+    <dgm:txPr/>
+    <dgm:style>
+      <a:lnRef idx="2">
+        <a:scrgbClr r="0" g="0" b="0"/>
+      </a:lnRef>
+      <a:fillRef idx="1">
+        <a:scrgbClr r="0" g="0" b="0"/>
+      </a:fillRef>
+      <a:effectRef idx="0">
+        <a:scrgbClr r="0" g="0" b="0"/>
+      </a:effectRef>
+      <a:fontRef idx="minor">
+        <a:schemeClr val="lt1"/>
+      </a:fontRef>
+    </dgm:style>
+  </dgm:styleLbl>
+  <dgm:styleLbl name="asst3">
+    <dgm:scene3d>
+      <a:camera prst="orthographicFront"/>
+      <a:lightRig rig="threePt" dir="t"/>
+    </dgm:scene3d>
+    <dgm:sp3d/>
+    <dgm:txPr/>
+    <dgm:style>
+      <a:lnRef idx="2">
+        <a:scrgbClr r="0" g="0" b="0"/>
+      </a:lnRef>
+      <a:fillRef idx="1">
+        <a:scrgbClr r="0" g="0" b="0"/>
+      </a:fillRef>
+      <a:effectRef idx="0">
+        <a:scrgbClr r="0" g="0" b="0"/>
+      </a:effectRef>
+      <a:fontRef idx="minor">
+        <a:schemeClr val="lt1"/>
+      </a:fontRef>
+    </dgm:style>
+  </dgm:styleLbl>
+  <dgm:styleLbl name="asst4">
+    <dgm:scene3d>
+      <a:camera prst="orthographicFront"/>
+      <a:lightRig rig="threePt" dir="t"/>
+    </dgm:scene3d>
+    <dgm:sp3d/>
+    <dgm:txPr/>
+    <dgm:style>
+      <a:lnRef idx="2">
+        <a:scrgbClr r="0" g="0" b="0"/>
+      </a:lnRef>
+      <a:fillRef idx="1">
+        <a:scrgbClr r="0" g="0" b="0"/>
+      </a:fillRef>
+      <a:effectRef idx="0">
+        <a:scrgbClr r="0" g="0" b="0"/>
+      </a:effectRef>
+      <a:fontRef idx="minor">
+        <a:schemeClr val="lt1"/>
+      </a:fontRef>
+    </dgm:style>
+  </dgm:styleLbl>
+  <dgm:styleLbl name="parChTrans2D1">
+    <dgm:scene3d>
+      <a:camera prst="orthographicFront"/>
+      <a:lightRig rig="threePt" dir="t"/>
+    </dgm:scene3d>
+    <dgm:sp3d/>
+    <dgm:txPr/>
+    <dgm:style>
+      <a:lnRef idx="2">
+        <a:scrgbClr r="0" g="0" b="0"/>
+      </a:lnRef>
+      <a:fillRef idx="1">
+        <a:scrgbClr r="0" g="0" b="0"/>
+      </a:fillRef>
+      <a:effectRef idx="0">
+        <a:scrgbClr r="0" g="0" b="0"/>
+      </a:effectRef>
+      <a:fontRef idx="minor">
+        <a:schemeClr val="lt1"/>
+      </a:fontRef>
+    </dgm:style>
+  </dgm:styleLbl>
+  <dgm:styleLbl name="parChTrans2D2">
+    <dgm:scene3d>
+      <a:camera prst="orthographicFront"/>
+      <a:lightRig rig="threePt" dir="t"/>
+    </dgm:scene3d>
+    <dgm:sp3d/>
+    <dgm:txPr/>
+    <dgm:style>
+      <a:lnRef idx="2">
+        <a:scrgbClr r="0" g="0" b="0"/>
+      </a:lnRef>
+      <a:fillRef idx="1">
+        <a:scrgbClr r="0" g="0" b="0"/>
+      </a:fillRef>
+      <a:effectRef idx="0">
+        <a:scrgbClr r="0" g="0" b="0"/>
+      </a:effectRef>
+      <a:fontRef idx="minor">
+        <a:schemeClr val="lt1"/>
+      </a:fontRef>
+    </dgm:style>
+  </dgm:styleLbl>
+  <dgm:styleLbl name="parChTrans2D3">
+    <dgm:scene3d>
+      <a:camera prst="orthographicFront"/>
+      <a:lightRig rig="threePt" dir="t"/>
+    </dgm:scene3d>
+    <dgm:sp3d/>
+    <dgm:txPr/>
+    <dgm:style>
+      <a:lnRef idx="2">
+        <a:scrgbClr r="0" g="0" b="0"/>
+      </a:lnRef>
+      <a:fillRef idx="1">
+        <a:scrgbClr r="0" g="0" b="0"/>
+      </a:fillRef>
+      <a:effectRef idx="0">
+        <a:scrgbClr r="0" g="0" b="0"/>
+      </a:effectRef>
+      <a:fontRef idx="minor">
+        <a:schemeClr val="lt1"/>
+      </a:fontRef>
+    </dgm:style>
+  </dgm:styleLbl>
+  <dgm:styleLbl name="parChTrans2D4">
+    <dgm:scene3d>
+      <a:camera prst="orthographicFront"/>
+      <a:lightRig rig="threePt" dir="t"/>
+    </dgm:scene3d>
+    <dgm:sp3d/>
+    <dgm:txPr/>
+    <dgm:style>
+      <a:lnRef idx="2">
+        <a:scrgbClr r="0" g="0" b="0"/>
+      </a:lnRef>
+      <a:fillRef idx="1">
+        <a:scrgbClr r="0" g="0" b="0"/>
+      </a:fillRef>
+      <a:effectRef idx="0">
+        <a:scrgbClr r="0" g="0" b="0"/>
+      </a:effectRef>
+      <a:fontRef idx="minor">
+        <a:schemeClr val="lt1"/>
+      </a:fontRef>
+    </dgm:style>
+  </dgm:styleLbl>
+  <dgm:styleLbl name="parChTrans1D1">
+    <dgm:scene3d>
+      <a:camera prst="orthographicFront"/>
+      <a:lightRig rig="threePt" dir="t"/>
+    </dgm:scene3d>
+    <dgm:sp3d/>
+    <dgm:txPr/>
+    <dgm:style>
+      <a:lnRef idx="2">
+        <a:scrgbClr r="0" g="0" b="0"/>
+      </a:lnRef>
+      <a:fillRef idx="0">
+        <a:scrgbClr r="0" g="0" b="0"/>
+      </a:fillRef>
+      <a:effectRef idx="0">
+        <a:scrgbClr r="0" g="0" b="0"/>
+      </a:effectRef>
+      <a:fontRef idx="minor"/>
+    </dgm:style>
+  </dgm:styleLbl>
+  <dgm:styleLbl name="parChTrans1D2">
+    <dgm:scene3d>
+      <a:camera prst="orthographicFront"/>
+      <a:lightRig rig="threePt" dir="t"/>
+    </dgm:scene3d>
+    <dgm:sp3d/>
+    <dgm:txPr/>
+    <dgm:style>
+      <a:lnRef idx="2">
+        <a:scrgbClr r="0" g="0" b="0"/>
+      </a:lnRef>
+      <a:fillRef idx="0">
+        <a:scrgbClr r="0" g="0" b="0"/>
+      </a:fillRef>
+      <a:effectRef idx="0">
+        <a:scrgbClr r="0" g="0" b="0"/>
+      </a:effectRef>
+      <a:fontRef idx="minor"/>
+    </dgm:style>
+  </dgm:styleLbl>
+  <dgm:styleLbl name="parChTrans1D3">
+    <dgm:scene3d>
+      <a:camera prst="orthographicFront"/>
+      <a:lightRig rig="threePt" dir="t"/>
+    </dgm:scene3d>
+    <dgm:sp3d/>
+    <dgm:txPr/>
+    <dgm:style>
+      <a:lnRef idx="2">
+        <a:scrgbClr r="0" g="0" b="0"/>
+      </a:lnRef>
+      <a:fillRef idx="0">
+        <a:scrgbClr r="0" g="0" b="0"/>
+      </a:fillRef>
+      <a:effectRef idx="0">
+        <a:scrgbClr r="0" g="0" b="0"/>
+      </a:effectRef>
+      <a:fontRef idx="minor"/>
+    </dgm:style>
+  </dgm:styleLbl>
+  <dgm:styleLbl name="parChTrans1D4">
+    <dgm:scene3d>
+      <a:camera prst="orthographicFront"/>
+      <a:lightRig rig="threePt" dir="t"/>
+    </dgm:scene3d>
+    <dgm:sp3d/>
+    <dgm:txPr/>
+    <dgm:style>
+      <a:lnRef idx="2">
+        <a:scrgbClr r="0" g="0" b="0"/>
+      </a:lnRef>
+      <a:fillRef idx="0">
+        <a:scrgbClr r="0" g="0" b="0"/>
+      </a:fillRef>
+      <a:effectRef idx="0">
+        <a:scrgbClr r="0" g="0" b="0"/>
+      </a:effectRef>
+      <a:fontRef idx="minor"/>
+    </dgm:style>
+  </dgm:styleLbl>
+  <dgm:styleLbl name="fgAcc1">
+    <dgm:scene3d>
+      <a:camera prst="orthographicFront"/>
+      <a:lightRig rig="threePt" dir="t"/>
+    </dgm:scene3d>
+    <dgm:sp3d/>
+    <dgm:txPr/>
+    <dgm:style>
+      <a:lnRef idx="2">
+        <a:scrgbClr r="0" g="0" b="0"/>
+      </a:lnRef>
+      <a:fillRef idx="1">
+        <a:scrgbClr r="0" g="0" b="0"/>
+      </a:fillRef>
+      <a:effectRef idx="0">
+        <a:scrgbClr r="0" g="0" b="0"/>
+      </a:effectRef>
+      <a:fontRef idx="minor"/>
+    </dgm:style>
+  </dgm:styleLbl>
+  <dgm:styleLbl name="conFgAcc1">
+    <dgm:scene3d>
+      <a:camera prst="orthographicFront"/>
+      <a:lightRig rig="threePt" dir="t"/>
+    </dgm:scene3d>
+    <dgm:sp3d/>
+    <dgm:txPr/>
+    <dgm:style>
+      <a:lnRef idx="2">
+        <a:scrgbClr r="0" g="0" b="0"/>
+      </a:lnRef>
+      <a:fillRef idx="1">
+        <a:scrgbClr r="0" g="0" b="0"/>
+      </a:fillRef>
+      <a:effectRef idx="0">
+        <a:scrgbClr r="0" g="0" b="0"/>
+      </a:effectRef>
+      <a:fontRef idx="minor"/>
+    </dgm:style>
+  </dgm:styleLbl>
+  <dgm:styleLbl name="alignAcc1">
+    <dgm:scene3d>
+      <a:camera prst="orthographicFront"/>
+      <a:lightRig rig="threePt" dir="t"/>
+    </dgm:scene3d>
+    <dgm:sp3d/>
+    <dgm:txPr/>
+    <dgm:style>
+      <a:lnRef idx="2">
+        <a:scrgbClr r="0" g="0" b="0"/>
+      </a:lnRef>
+      <a:fillRef idx="1">
+        <a:scrgbClr r="0" g="0" b="0"/>
+      </a:fillRef>
+      <a:effectRef idx="0">
+        <a:scrgbClr r="0" g="0" b="0"/>
+      </a:effectRef>
+      <a:fontRef idx="minor"/>
+    </dgm:style>
+  </dgm:styleLbl>
+  <dgm:styleLbl name="trAlignAcc1">
+    <dgm:scene3d>
+      <a:camera prst="orthographicFront"/>
+      <a:lightRig rig="threePt" dir="t"/>
+    </dgm:scene3d>
+    <dgm:sp3d/>
+    <dgm:txPr/>
+    <dgm:style>
+      <a:lnRef idx="1">
+        <a:scrgbClr r="0" g="0" b="0"/>
+      </a:lnRef>
+      <a:fillRef idx="1">
+        <a:scrgbClr r="0" g="0" b="0"/>
+      </a:fillRef>
+      <a:effectRef idx="0">
+        <a:scrgbClr r="0" g="0" b="0"/>
+      </a:effectRef>
+      <a:fontRef idx="minor"/>
+    </dgm:style>
+  </dgm:styleLbl>
+  <dgm:styleLbl name="bgAcc1">
+    <dgm:scene3d>
+      <a:camera prst="orthographicFront"/>
+      <a:lightRig rig="threePt" dir="t"/>
+    </dgm:scene3d>
+    <dgm:sp3d/>
+    <dgm:txPr/>
+    <dgm:style>
+      <a:lnRef idx="2">
+        <a:scrgbClr r="0" g="0" b="0"/>
+      </a:lnRef>
+      <a:fillRef idx="1">
+        <a:scrgbClr r="0" g="0" b="0"/>
+      </a:fillRef>
+      <a:effectRef idx="0">
+        <a:scrgbClr r="0" g="0" b="0"/>
+      </a:effectRef>
+      <a:fontRef idx="minor"/>
+    </dgm:style>
+  </dgm:styleLbl>
+  <dgm:styleLbl name="solidFgAcc1">
+    <dgm:scene3d>
+      <a:camera prst="orthographicFront"/>
+      <a:lightRig rig="threePt" dir="t"/>
+    </dgm:scene3d>
+    <dgm:sp3d/>
+    <dgm:txPr/>
+    <dgm:style>
+      <a:lnRef idx="2">
+        <a:scrgbClr r="0" g="0" b="0"/>
+      </a:lnRef>
+      <a:fillRef idx="1">
+        <a:scrgbClr r="0" g="0" b="0"/>
+      </a:fillRef>
+      <a:effectRef idx="0">
+        <a:scrgbClr r="0" g="0" b="0"/>
+      </a:effectRef>
+      <a:fontRef idx="minor"/>
+    </dgm:style>
+  </dgm:styleLbl>
+  <dgm:styleLbl name="solidAlignAcc1">
+    <dgm:scene3d>
+      <a:camera prst="orthographicFront"/>
+      <a:lightRig rig="threePt" dir="t"/>
+    </dgm:scene3d>
+    <dgm:sp3d/>
+    <dgm:txPr/>
+    <dgm:style>
+      <a:lnRef idx="2">
+        <a:scrgbClr r="0" g="0" b="0"/>
+      </a:lnRef>
+      <a:fillRef idx="1">
+        <a:scrgbClr r="0" g="0" b="0"/>
+      </a:fillRef>
+      <a:effectRef idx="0">
+        <a:scrgbClr r="0" g="0" b="0"/>
+      </a:effectRef>
+      <a:fontRef idx="minor"/>
+    </dgm:style>
+  </dgm:styleLbl>
+  <dgm:styleLbl name="solidBgAcc1">
+    <dgm:scene3d>
+      <a:camera prst="orthographicFront"/>
+      <a:lightRig rig="threePt" dir="t"/>
+    </dgm:scene3d>
+    <dgm:sp3d/>
+    <dgm:txPr/>
+    <dgm:style>
+      <a:lnRef idx="2">
+        <a:scrgbClr r="0" g="0" b="0"/>
+      </a:lnRef>
+      <a:fillRef idx="1">
+        <a:scrgbClr r="0" g="0" b="0"/>
+      </a:fillRef>
+      <a:effectRef idx="0">
+        <a:scrgbClr r="0" g="0" b="0"/>
+      </a:effectRef>
+      <a:fontRef idx="minor"/>
+    </dgm:style>
+  </dgm:styleLbl>
+  <dgm:styleLbl name="fgAccFollowNode1">
+    <dgm:scene3d>
+      <a:camera prst="orthographicFront"/>
+      <a:lightRig rig="threePt" dir="t"/>
+    </dgm:scene3d>
+    <dgm:sp3d/>
+    <dgm:txPr/>
+    <dgm:style>
+      <a:lnRef idx="2">
+        <a:scrgbClr r="0" g="0" b="0"/>
+      </a:lnRef>
+      <a:fillRef idx="1">
+        <a:scrgbClr r="0" g="0" b="0"/>
+      </a:fillRef>
+      <a:effectRef idx="0">
+        <a:scrgbClr r="0" g="0" b="0"/>
+      </a:effectRef>
+      <a:fontRef idx="minor"/>
+    </dgm:style>
+  </dgm:styleLbl>
+  <dgm:styleLbl name="alignAccFollowNode1">
+    <dgm:scene3d>
+      <a:camera prst="orthographicFront"/>
+      <a:lightRig rig="threePt" dir="t"/>
+    </dgm:scene3d>
+    <dgm:sp3d/>
+    <dgm:txPr/>
+    <dgm:style>
+      <a:lnRef idx="2">
+        <a:scrgbClr r="0" g="0" b="0"/>
+      </a:lnRef>
+      <a:fillRef idx="1">
+        <a:scrgbClr r="0" g="0" b="0"/>
+      </a:fillRef>
+      <a:effectRef idx="0">
+        <a:scrgbClr r="0" g="0" b="0"/>
+      </a:effectRef>
+      <a:fontRef idx="minor"/>
+    </dgm:style>
+  </dgm:styleLbl>
+  <dgm:styleLbl name="bgAccFollowNode1">
+    <dgm:scene3d>
+      <a:camera prst="orthographicFront"/>
+      <a:lightRig rig="threePt" dir="t"/>
+    </dgm:scene3d>
+    <dgm:sp3d/>
+    <dgm:txPr/>
+    <dgm:style>
+      <a:lnRef idx="2">
+        <a:scrgbClr r="0" g="0" b="0"/>
+      </a:lnRef>
+      <a:fillRef idx="1">
+        <a:scrgbClr r="0" g="0" b="0"/>
+      </a:fillRef>
+      <a:effectRef idx="0">
+        <a:scrgbClr r="0" g="0" b="0"/>
+      </a:effectRef>
+      <a:fontRef idx="minor"/>
+    </dgm:style>
+  </dgm:styleLbl>
+  <dgm:styleLbl name="fgAcc0">
+    <dgm:scene3d>
+      <a:camera prst="orthographicFront"/>
+      <a:lightRig rig="threePt" dir="t"/>
+    </dgm:scene3d>
+    <dgm:sp3d/>
+    <dgm:txPr/>
+    <dgm:style>
+      <a:lnRef idx="2">
+        <a:scrgbClr r="0" g="0" b="0"/>
+      </a:lnRef>
+      <a:fillRef idx="1">
+        <a:scrgbClr r="0" g="0" b="0"/>
+      </a:fillRef>
+      <a:effectRef idx="0">
+        <a:scrgbClr r="0" g="0" b="0"/>
+      </a:effectRef>
+      <a:fontRef idx="minor"/>
+    </dgm:style>
+  </dgm:styleLbl>
+  <dgm:styleLbl name="fgAcc2">
+    <dgm:scene3d>
+      <a:camera prst="orthographicFront"/>
+      <a:lightRig rig="threePt" dir="t"/>
+    </dgm:scene3d>
+    <dgm:sp3d/>
+    <dgm:txPr/>
+    <dgm:style>
+      <a:lnRef idx="2">
+        <a:scrgbClr r="0" g="0" b="0"/>
+      </a:lnRef>
+      <a:fillRef idx="1">
+        <a:scrgbClr r="0" g="0" b="0"/>
+      </a:fillRef>
+      <a:effectRef idx="0">
+        <a:scrgbClr r="0" g="0" b="0"/>
+      </a:effectRef>
+      <a:fontRef idx="minor"/>
+    </dgm:style>
+  </dgm:styleLbl>
+  <dgm:styleLbl name="fgAcc3">
+    <dgm:scene3d>
+      <a:camera prst="orthographicFront"/>
+      <a:lightRig rig="threePt" dir="t"/>
+    </dgm:scene3d>
+    <dgm:sp3d/>
+    <dgm:txPr/>
+    <dgm:style>
+      <a:lnRef idx="2">
+        <a:scrgbClr r="0" g="0" b="0"/>
+      </a:lnRef>
+      <a:fillRef idx="1">
+        <a:scrgbClr r="0" g="0" b="0"/>
+      </a:fillRef>
+      <a:effectRef idx="0">
+        <a:scrgbClr r="0" g="0" b="0"/>
+      </a:effectRef>
+      <a:fontRef idx="minor"/>
+    </dgm:style>
+  </dgm:styleLbl>
+  <dgm:styleLbl name="fgAcc4">
+    <dgm:scene3d>
+      <a:camera prst="orthographicFront"/>
+      <a:lightRig rig="threePt" dir="t"/>
+    </dgm:scene3d>
+    <dgm:sp3d/>
+    <dgm:txPr/>
+    <dgm:style>
+      <a:lnRef idx="2">
+        <a:scrgbClr r="0" g="0" b="0"/>
+      </a:lnRef>
+      <a:fillRef idx="1">
+        <a:scrgbClr r="0" g="0" b="0"/>
+      </a:fillRef>
+      <a:effectRef idx="0">
+        <a:scrgbClr r="0" g="0" b="0"/>
+      </a:effectRef>
+      <a:fontRef idx="minor"/>
+    </dgm:style>
+  </dgm:styleLbl>
+  <dgm:styleLbl name="bgShp">
+    <dgm:scene3d>
+      <a:camera prst="orthographicFront"/>
+      <a:lightRig rig="threePt" dir="t"/>
+    </dgm:scene3d>
+    <dgm:sp3d/>
+    <dgm:txPr/>
+    <dgm:style>
+      <a:lnRef idx="0">
+        <a:scrgbClr r="0" g="0" b="0"/>
+      </a:lnRef>
+      <a:fillRef idx="1">
+        <a:scrgbClr r="0" g="0" b="0"/>
+      </a:fillRef>
+      <a:effectRef idx="0">
+        <a:scrgbClr r="0" g="0" b="0"/>
+      </a:effectRef>
+      <a:fontRef idx="minor"/>
+    </dgm:style>
+  </dgm:styleLbl>
+  <dgm:styleLbl name="dkBgShp">
+    <dgm:scene3d>
+      <a:camera prst="orthographicFront"/>
+      <a:lightRig rig="threePt" dir="t"/>
+    </dgm:scene3d>
+    <dgm:sp3d/>
+    <dgm:txPr/>
+    <dgm:style>
+      <a:lnRef idx="0">
+        <a:scrgbClr r="0" g="0" b="0"/>
+      </a:lnRef>
+      <a:fillRef idx="1">
+        <a:scrgbClr r="0" g="0" b="0"/>
+      </a:fillRef>
+      <a:effectRef idx="0">
+        <a:scrgbClr r="0" g="0" b="0"/>
+      </a:effectRef>
+      <a:fontRef idx="minor"/>
+    </dgm:style>
+  </dgm:styleLbl>
+  <dgm:styleLbl name="trBgShp">
+    <dgm:scene3d>
+      <a:camera prst="orthographicFront"/>
+      <a:lightRig rig="threePt" dir="t"/>
+    </dgm:scene3d>
+    <dgm:sp3d/>
+    <dgm:txPr/>
+    <dgm:style>
+      <a:lnRef idx="0">
+        <a:scrgbClr r="0" g="0" b="0"/>
+      </a:lnRef>
+      <a:fillRef idx="1">
+        <a:scrgbClr r="0" g="0" b="0"/>
+      </a:fillRef>
+      <a:effectRef idx="0">
+        <a:scrgbClr r="0" g="0" b="0"/>
+      </a:effectRef>
+      <a:fontRef idx="minor"/>
+    </dgm:style>
+  </dgm:styleLbl>
+  <dgm:styleLbl name="fgShp">
+    <dgm:scene3d>
+      <a:camera prst="orthographicFront"/>
+      <a:lightRig rig="threePt" dir="t"/>
+    </dgm:scene3d>
+    <dgm:sp3d/>
+    <dgm:txPr/>
+    <dgm:style>
+      <a:lnRef idx="2">
+        <a:scrgbClr r="0" g="0" b="0"/>
+      </a:lnRef>
+      <a:fillRef idx="1">
+        <a:scrgbClr r="0" g="0" b="0"/>
+      </a:fillRef>
+      <a:effectRef idx="0">
+        <a:scrgbClr r="0" g="0" b="0"/>
+      </a:effectRef>
+      <a:fontRef idx="minor"/>
+    </dgm:style>
+  </dgm:styleLbl>
+  <dgm:styleLbl name="revTx">
+    <dgm:scene3d>
+      <a:camera prst="orthographicFront"/>
+      <a:lightRig rig="threePt" dir="t"/>
+    </dgm:scene3d>
+    <dgm:sp3d/>
+    <dgm:txPr/>
+    <dgm:style>
+      <a:lnRef idx="0">
+        <a:scrgbClr r="0" g="0" b="0"/>
+      </a:lnRef>
+      <a:fillRef idx="0">
+        <a:scrgbClr r="0" g="0" b="0"/>
+      </a:fillRef>
+      <a:effectRef idx="0">
+        <a:scrgbClr r="0" g="0" b="0"/>
+      </a:effectRef>
+      <a:fontRef idx="minor"/>
+    </dgm:style>
+  </dgm:styleLbl>
+</dgm:styleDef>
 </file>
 
 <file path=ppt/slideLayouts/slideLayout1.xml><?xml version="1.0" encoding="utf-8"?>
@@ -4183,38 +6697,6 @@
       </p:sp>
       <p:sp>
         <p:nvSpPr>
-          <p:cNvPr id="3" name="Subtitle 2">
-            <a:extLst>
-              <a:ext uri="{FF2B5EF4-FFF2-40B4-BE49-F238E27FC236}">
-                <a16:creationId xmlns:a16="http://schemas.microsoft.com/office/drawing/2014/main" id="{10183FFA-ADB2-F841-80F9-AD555AA27EAF}"/>
-              </a:ext>
-            </a:extLst>
-          </p:cNvPr>
-          <p:cNvSpPr>
-            <a:spLocks noGrp="1"/>
-          </p:cNvSpPr>
-          <p:nvPr>
-            <p:ph type="subTitle" idx="1"/>
-          </p:nvPr>
-        </p:nvSpPr>
-        <p:spPr>
-          <a:xfrm>
-            <a:off x="758953" y="4660288"/>
-            <a:ext cx="3447287" cy="1126364"/>
-          </a:xfrm>
-        </p:spPr>
-        <p:txBody>
-          <a:bodyPr anchor="t">
-            <a:normAutofit/>
-          </a:bodyPr>
-          <a:lstStyle/>
-          <a:p>
-            <a:endParaRPr lang="en-US" dirty="0"/>
-          </a:p>
-        </p:txBody>
-      </p:sp>
-      <p:sp>
-        <p:nvSpPr>
           <p:cNvPr id="11" name="Freeform 6">
             <a:extLst>
               <a:ext uri="{FF2B5EF4-FFF2-40B4-BE49-F238E27FC236}">
@@ -4579,12 +7061,14 @@
           <a:prstGeom prst="rect">
             <a:avLst/>
           </a:prstGeom>
-          <a:noFill/>
+          <a:ln>
+            <a:noFill/>
+          </a:ln>
           <a:effectLst>
-            <a:outerShdw blurRad="50800" dist="38100" dir="13500000" algn="br" rotWithShape="0">
-              <a:prstClr val="black">
-                <a:alpha val="40000"/>
-              </a:prstClr>
+            <a:outerShdw blurRad="292100" dist="139700" dir="2700000" algn="tl" rotWithShape="0">
+              <a:srgbClr val="333333">
+                <a:alpha val="65000"/>
+              </a:srgbClr>
             </a:outerShdw>
           </a:effectLst>
           <a:extLst>
@@ -4633,7 +7117,16 @@
           <a:prstGeom prst="rect">
             <a:avLst/>
           </a:prstGeom>
-          <a:noFill/>
+          <a:ln>
+            <a:noFill/>
+          </a:ln>
+          <a:effectLst>
+            <a:outerShdw blurRad="292100" dist="139700" dir="2700000" algn="tl" rotWithShape="0">
+              <a:srgbClr val="333333">
+                <a:alpha val="65000"/>
+              </a:srgbClr>
+            </a:outerShdw>
+          </a:effectLst>
           <a:extLst>
             <a:ext uri="{909E8E84-426E-40DD-AFC4-6F175D3DCCD1}">
               <a14:hiddenFill xmlns:a14="http://schemas.microsoft.com/office/drawing/2010/main">
@@ -4699,12 +7192,22 @@
         </p:blipFill>
         <p:spPr>
           <a:xfrm>
-            <a:off x="4920950" y="353787"/>
-            <a:ext cx="7271050" cy="2228131"/>
+            <a:off x="4596015" y="353788"/>
+            <a:ext cx="6857209" cy="2101314"/>
           </a:xfrm>
           <a:prstGeom prst="rect">
             <a:avLst/>
           </a:prstGeom>
+          <a:ln>
+            <a:noFill/>
+          </a:ln>
+          <a:effectLst>
+            <a:outerShdw blurRad="292100" dist="139700" dir="2700000" algn="tl" rotWithShape="0">
+              <a:srgbClr val="333333">
+                <a:alpha val="65000"/>
+              </a:srgbClr>
+            </a:outerShdw>
+          </a:effectLst>
         </p:spPr>
       </p:pic>
       <p:sp>
@@ -4849,13 +7352,22 @@
         </p:blipFill>
         <p:spPr bwMode="auto">
           <a:xfrm>
-            <a:off x="5223215" y="3429000"/>
-            <a:ext cx="6643849" cy="1961147"/>
+            <a:off x="4596015" y="3366020"/>
+            <a:ext cx="6857209" cy="2024127"/>
           </a:xfrm>
           <a:prstGeom prst="rect">
             <a:avLst/>
           </a:prstGeom>
-          <a:noFill/>
+          <a:ln>
+            <a:noFill/>
+          </a:ln>
+          <a:effectLst>
+            <a:outerShdw blurRad="292100" dist="139700" dir="2700000" algn="tl" rotWithShape="0">
+              <a:srgbClr val="333333">
+                <a:alpha val="65000"/>
+              </a:srgbClr>
+            </a:outerShdw>
+          </a:effectLst>
           <a:extLst>
             <a:ext uri="{909E8E84-426E-40DD-AFC4-6F175D3DCCD1}">
               <a14:hiddenFill xmlns:a14="http://schemas.microsoft.com/office/drawing/2010/main">
@@ -4927,6 +7439,16 @@
           <a:prstGeom prst="rect">
             <a:avLst/>
           </a:prstGeom>
+          <a:ln>
+            <a:noFill/>
+          </a:ln>
+          <a:effectLst>
+            <a:outerShdw blurRad="292100" dist="139700" dir="2700000" algn="tl" rotWithShape="0">
+              <a:srgbClr val="333333">
+                <a:alpha val="65000"/>
+              </a:srgbClr>
+            </a:outerShdw>
+          </a:effectLst>
         </p:spPr>
       </p:pic>
       <p:sp>
@@ -5102,12 +7624,22 @@
         </p:blipFill>
         <p:spPr>
           <a:xfrm>
-            <a:off x="4938608" y="3250182"/>
+            <a:off x="4844715" y="3312813"/>
             <a:ext cx="7102357" cy="1640406"/>
           </a:xfrm>
           <a:prstGeom prst="rect">
             <a:avLst/>
           </a:prstGeom>
+          <a:ln>
+            <a:noFill/>
+          </a:ln>
+          <a:effectLst>
+            <a:outerShdw blurRad="292100" dist="139700" dir="2700000" algn="tl" rotWithShape="0">
+              <a:srgbClr val="333333">
+                <a:alpha val="65000"/>
+              </a:srgbClr>
+            </a:outerShdw>
+          </a:effectLst>
         </p:spPr>
       </p:pic>
     </p:spTree>
@@ -5140,38 +7672,6 @@
           <a:chExt cx="0" cy="0"/>
         </a:xfrm>
       </p:grpSpPr>
-      <p:pic>
-        <p:nvPicPr>
-          <p:cNvPr id="5" name="Content Placeholder 4">
-            <a:extLst>
-              <a:ext uri="{FF2B5EF4-FFF2-40B4-BE49-F238E27FC236}">
-                <a16:creationId xmlns:a16="http://schemas.microsoft.com/office/drawing/2014/main" id="{113CACE0-5DEA-FE4F-BB82-ACB9D6164F45}"/>
-              </a:ext>
-            </a:extLst>
-          </p:cNvPr>
-          <p:cNvPicPr>
-            <a:picLocks noGrp="1" noChangeAspect="1"/>
-          </p:cNvPicPr>
-          <p:nvPr>
-            <p:ph idx="1"/>
-          </p:nvPr>
-        </p:nvPicPr>
-        <p:blipFill>
-          <a:blip r:embed="rId2"/>
-          <a:stretch>
-            <a:fillRect/>
-          </a:stretch>
-        </p:blipFill>
-        <p:spPr>
-          <a:xfrm>
-            <a:off x="8361653" y="316366"/>
-            <a:ext cx="3344110" cy="3094194"/>
-          </a:xfrm>
-          <a:prstGeom prst="rect">
-            <a:avLst/>
-          </a:prstGeom>
-        </p:spPr>
-      </p:pic>
       <p:sp>
         <p:nvSpPr>
           <p:cNvPr id="3" name="Text Placeholder 2">
@@ -5203,7 +7703,7 @@
               <a:buChar char="•"/>
             </a:pPr>
             <a:r>
-              <a:rPr lang="en-US" dirty="0"/>
+              <a:rPr lang="en-US"/>
               <a:t>After transformation we created new database(movies) and two tables(online &amp; theaters)</a:t>
             </a:r>
           </a:p>
@@ -5213,7 +7713,7 @@
               <a:buChar char="•"/>
             </a:pPr>
             <a:r>
-              <a:rPr lang="en-US" dirty="0"/>
+              <a:rPr lang="en-US"/>
               <a:t>Created two composite keys: Years &amp; Title</a:t>
             </a:r>
           </a:p>
@@ -5223,9 +7723,10 @@
               <a:buChar char="•"/>
             </a:pPr>
             <a:r>
-              <a:rPr lang="en-US" dirty="0"/>
+              <a:rPr lang="en-US"/>
               <a:t>Once composite keys were created we were able to load datasets into tables</a:t>
             </a:r>
+            <a:endParaRPr lang="en-US" dirty="0"/>
           </a:p>
         </p:txBody>
       </p:sp>
@@ -5251,18 +7752,61 @@
           <a:lstStyle/>
           <a:p>
             <a:r>
-              <a:rPr lang="en-US" dirty="0"/>
+              <a:rPr lang="en-US"/>
               <a:t>Load </a:t>
             </a:r>
+            <a:endParaRPr lang="en-US" dirty="0"/>
           </a:p>
         </p:txBody>
       </p:sp>
       <p:pic>
         <p:nvPicPr>
-          <p:cNvPr id="7" name="Picture 6">
-            <a:extLst>
-              <a:ext uri="{FF2B5EF4-FFF2-40B4-BE49-F238E27FC236}">
-                <a16:creationId xmlns:a16="http://schemas.microsoft.com/office/drawing/2014/main" id="{B6FF6938-7821-6848-972F-A3A0C31D4AA4}"/>
+          <p:cNvPr id="8" name="Content Placeholder 11" descr="Text&#10;&#10;Description automatically generated with low confidence">
+            <a:extLst>
+              <a:ext uri="{FF2B5EF4-FFF2-40B4-BE49-F238E27FC236}">
+                <a16:creationId xmlns:a16="http://schemas.microsoft.com/office/drawing/2014/main" id="{E283B817-A978-7E45-A2C0-A4EB164624A2}"/>
+              </a:ext>
+            </a:extLst>
+          </p:cNvPr>
+          <p:cNvPicPr>
+            <a:picLocks noGrp="1" noChangeAspect="1"/>
+          </p:cNvPicPr>
+          <p:nvPr>
+            <p:ph idx="1"/>
+          </p:nvPr>
+        </p:nvPicPr>
+        <p:blipFill>
+          <a:blip r:embed="rId2"/>
+          <a:stretch>
+            <a:fillRect/>
+          </a:stretch>
+        </p:blipFill>
+        <p:spPr>
+          <a:xfrm>
+            <a:off x="4863003" y="314867"/>
+            <a:ext cx="5972011" cy="2104673"/>
+          </a:xfrm>
+          <a:prstGeom prst="rect">
+            <a:avLst/>
+          </a:prstGeom>
+          <a:ln>
+            <a:noFill/>
+          </a:ln>
+          <a:effectLst>
+            <a:outerShdw blurRad="292100" dist="139700" dir="2700000" algn="tl" rotWithShape="0">
+              <a:srgbClr val="333333">
+                <a:alpha val="65000"/>
+              </a:srgbClr>
+            </a:outerShdw>
+          </a:effectLst>
+        </p:spPr>
+      </p:pic>
+      <p:pic>
+        <p:nvPicPr>
+          <p:cNvPr id="9" name="Picture 8" descr="Table&#10;&#10;Description automatically generated">
+            <a:extLst>
+              <a:ext uri="{FF2B5EF4-FFF2-40B4-BE49-F238E27FC236}">
+                <a16:creationId xmlns:a16="http://schemas.microsoft.com/office/drawing/2014/main" id="{60595001-D2D6-964E-8236-B03023C2A686}"/>
               </a:ext>
             </a:extLst>
           </p:cNvPr>
@@ -5279,12 +7823,22 @@
         </p:blipFill>
         <p:spPr>
           <a:xfrm>
-            <a:off x="5011886" y="3410559"/>
-            <a:ext cx="3115244" cy="3344661"/>
+            <a:off x="5234011" y="3284321"/>
+            <a:ext cx="6199037" cy="2235700"/>
           </a:xfrm>
           <a:prstGeom prst="rect">
             <a:avLst/>
           </a:prstGeom>
+          <a:ln>
+            <a:noFill/>
+          </a:ln>
+          <a:effectLst>
+            <a:outerShdw blurRad="292100" dist="139700" dir="2700000" algn="tl" rotWithShape="0">
+              <a:srgbClr val="333333">
+                <a:alpha val="65000"/>
+              </a:srgbClr>
+            </a:outerShdw>
+          </a:effectLst>
         </p:spPr>
       </p:pic>
     </p:spTree>
@@ -5317,12 +7871,43 @@
           <a:chExt cx="0" cy="0"/>
         </a:xfrm>
       </p:grpSpPr>
+      <p:graphicFrame>
+        <p:nvGraphicFramePr>
+          <p:cNvPr id="7" name="Content Placeholder 6">
+            <a:extLst>
+              <a:ext uri="{FF2B5EF4-FFF2-40B4-BE49-F238E27FC236}">
+                <a16:creationId xmlns:a16="http://schemas.microsoft.com/office/drawing/2014/main" id="{B0BA493D-A6CE-4E33-9FF2-2511A0539B72}"/>
+              </a:ext>
+            </a:extLst>
+          </p:cNvPr>
+          <p:cNvGraphicFramePr>
+            <a:graphicFrameLocks noGrp="1"/>
+          </p:cNvGraphicFramePr>
+          <p:nvPr>
+            <p:ph idx="1"/>
+            <p:extLst>
+              <p:ext uri="{D42A27DB-BD31-4B8C-83A1-F6EECF244321}">
+                <p14:modId xmlns:p14="http://schemas.microsoft.com/office/powerpoint/2010/main" val="3782377549"/>
+              </p:ext>
+            </p:extLst>
+          </p:nvPr>
+        </p:nvGraphicFramePr>
+        <p:xfrm>
+          <a:off x="1553580" y="1150711"/>
+          <a:ext cx="8224902" cy="1527176"/>
+        </p:xfrm>
+        <a:graphic>
+          <a:graphicData uri="http://schemas.openxmlformats.org/drawingml/2006/diagram">
+            <dgm:relIds xmlns:dgm="http://schemas.openxmlformats.org/drawingml/2006/diagram" xmlns:r="http://schemas.openxmlformats.org/officeDocument/2006/relationships" r:dm="rId2" r:lo="rId3" r:qs="rId4" r:cs="rId5"/>
+          </a:graphicData>
+        </a:graphic>
+      </p:graphicFrame>
       <p:sp>
         <p:nvSpPr>
           <p:cNvPr id="4" name="Title 3">
             <a:extLst>
               <a:ext uri="{FF2B5EF4-FFF2-40B4-BE49-F238E27FC236}">
-                <a16:creationId xmlns:a16="http://schemas.microsoft.com/office/drawing/2014/main" id="{48B17232-2B83-164E-BA93-AF60F55A76EF}"/>
+                <a16:creationId xmlns:a16="http://schemas.microsoft.com/office/drawing/2014/main" id="{4BA64DC6-DBC3-447D-84B8-714469EF3C24}"/>
               </a:ext>
             </a:extLst>
           </p:cNvPr>
@@ -5335,86 +7920,619 @@
         </p:nvSpPr>
         <p:spPr>
           <a:xfrm>
-            <a:off x="758951" y="758953"/>
-            <a:ext cx="8240669" cy="853280"/>
+            <a:off x="581671" y="565495"/>
+            <a:ext cx="3831336" cy="585216"/>
           </a:xfrm>
         </p:spPr>
         <p:txBody>
           <a:bodyPr>
-            <a:normAutofit/>
+            <a:normAutofit fontScale="90000"/>
           </a:bodyPr>
           <a:lstStyle/>
           <a:p>
             <a:r>
-              <a:rPr lang="en-US" sz="3200" dirty="0"/>
-              <a:t>Select on both loaded tables looks as follows</a:t>
+              <a:rPr lang="en-US" sz="4000" dirty="0"/>
+              <a:t>ETL Diagram</a:t>
             </a:r>
           </a:p>
         </p:txBody>
       </p:sp>
-      <p:pic>
-        <p:nvPicPr>
-          <p:cNvPr id="12" name="Content Placeholder 11" descr="Text&#10;&#10;Description automatically generated with low confidence">
-            <a:extLst>
-              <a:ext uri="{FF2B5EF4-FFF2-40B4-BE49-F238E27FC236}">
-                <a16:creationId xmlns:a16="http://schemas.microsoft.com/office/drawing/2014/main" id="{053467DC-27BC-A943-93A9-7220370CEBB6}"/>
-              </a:ext>
-            </a:extLst>
-          </p:cNvPr>
-          <p:cNvPicPr>
-            <a:picLocks noGrp="1" noChangeAspect="1"/>
-          </p:cNvPicPr>
-          <p:nvPr>
-            <p:ph idx="1"/>
-          </p:nvPr>
-        </p:nvPicPr>
-        <p:blipFill>
-          <a:blip r:embed="rId2"/>
-          <a:stretch>
-            <a:fillRect/>
-          </a:stretch>
-        </p:blipFill>
+      <p:cxnSp>
+        <p:nvCxnSpPr>
+          <p:cNvPr id="9" name="Straight Arrow Connector 8">
+            <a:extLst>
+              <a:ext uri="{FF2B5EF4-FFF2-40B4-BE49-F238E27FC236}">
+                <a16:creationId xmlns:a16="http://schemas.microsoft.com/office/drawing/2014/main" id="{ABD0C6F5-33C9-4D84-B40A-4D99521A4729}"/>
+              </a:ext>
+            </a:extLst>
+          </p:cNvPr>
+          <p:cNvCxnSpPr>
+            <a:cxnSpLocks/>
+          </p:cNvCxnSpPr>
+          <p:nvPr/>
+        </p:nvCxnSpPr>
+        <p:spPr>
+          <a:xfrm flipH="1">
+            <a:off x="2066764" y="2612571"/>
+            <a:ext cx="527146" cy="1156996"/>
+          </a:xfrm>
+          <a:prstGeom prst="straightConnector1">
+            <a:avLst/>
+          </a:prstGeom>
+          <a:ln>
+            <a:tailEnd type="triangle"/>
+          </a:ln>
+        </p:spPr>
+        <p:style>
+          <a:lnRef idx="1">
+            <a:schemeClr val="accent1"/>
+          </a:lnRef>
+          <a:fillRef idx="0">
+            <a:schemeClr val="accent1"/>
+          </a:fillRef>
+          <a:effectRef idx="0">
+            <a:schemeClr val="accent1"/>
+          </a:effectRef>
+          <a:fontRef idx="minor">
+            <a:schemeClr val="tx1"/>
+          </a:fontRef>
+        </p:style>
+      </p:cxnSp>
+      <p:sp>
+        <p:nvSpPr>
+          <p:cNvPr id="10" name="Flowchart: Document 9">
+            <a:extLst>
+              <a:ext uri="{FF2B5EF4-FFF2-40B4-BE49-F238E27FC236}">
+                <a16:creationId xmlns:a16="http://schemas.microsoft.com/office/drawing/2014/main" id="{4BC5559B-DF23-4931-9CD6-4A4A7C2A5966}"/>
+              </a:ext>
+            </a:extLst>
+          </p:cNvPr>
+          <p:cNvSpPr/>
+          <p:nvPr/>
+        </p:nvSpPr>
         <p:spPr>
           <a:xfrm>
-            <a:off x="758951" y="1185593"/>
-            <a:ext cx="6608634" cy="3073528"/>
+            <a:off x="1609564" y="3844212"/>
+            <a:ext cx="914400" cy="612648"/>
           </a:xfrm>
+          <a:prstGeom prst="flowChartDocument">
+            <a:avLst/>
+          </a:prstGeom>
         </p:spPr>
-      </p:pic>
-      <p:pic>
-        <p:nvPicPr>
-          <p:cNvPr id="15" name="Picture 14" descr="Table&#10;&#10;Description automatically generated">
-            <a:extLst>
-              <a:ext uri="{FF2B5EF4-FFF2-40B4-BE49-F238E27FC236}">
-                <a16:creationId xmlns:a16="http://schemas.microsoft.com/office/drawing/2014/main" id="{3870F187-A695-1545-AAB2-4F7D851659C2}"/>
-              </a:ext>
-            </a:extLst>
-          </p:cNvPr>
-          <p:cNvPicPr>
-            <a:picLocks noChangeAspect="1"/>
-          </p:cNvPicPr>
+        <p:style>
+          <a:lnRef idx="2">
+            <a:schemeClr val="accent1">
+              <a:shade val="50000"/>
+            </a:schemeClr>
+          </a:lnRef>
+          <a:fillRef idx="1">
+            <a:schemeClr val="accent1"/>
+          </a:fillRef>
+          <a:effectRef idx="0">
+            <a:schemeClr val="accent1"/>
+          </a:effectRef>
+          <a:fontRef idx="minor">
+            <a:schemeClr val="lt1"/>
+          </a:fontRef>
+        </p:style>
+        <p:txBody>
+          <a:bodyPr rtlCol="0" anchor="ctr"/>
+          <a:lstStyle/>
+          <a:p>
+            <a:pPr algn="ctr"/>
+            <a:r>
+              <a:rPr lang="en-US" sz="1200" dirty="0"/>
+              <a:t>Online CSV</a:t>
+            </a:r>
+          </a:p>
+        </p:txBody>
+      </p:sp>
+      <p:cxnSp>
+        <p:nvCxnSpPr>
+          <p:cNvPr id="13" name="Straight Arrow Connector 12">
+            <a:extLst>
+              <a:ext uri="{FF2B5EF4-FFF2-40B4-BE49-F238E27FC236}">
+                <a16:creationId xmlns:a16="http://schemas.microsoft.com/office/drawing/2014/main" id="{C7BD5463-B970-45A4-9453-625DF9EDAC7E}"/>
+              </a:ext>
+            </a:extLst>
+          </p:cNvPr>
+          <p:cNvCxnSpPr/>
           <p:nvPr/>
-        </p:nvPicPr>
-        <p:blipFill>
-          <a:blip r:embed="rId3"/>
-          <a:stretch>
-            <a:fillRect/>
-          </a:stretch>
-        </p:blipFill>
+        </p:nvCxnSpPr>
         <p:spPr>
           <a:xfrm>
-            <a:off x="4989201" y="4379496"/>
-            <a:ext cx="6608634" cy="2383422"/>
+            <a:off x="2808514" y="2603242"/>
+            <a:ext cx="597159" cy="1166325"/>
+          </a:xfrm>
+          <a:prstGeom prst="straightConnector1">
+            <a:avLst/>
+          </a:prstGeom>
+          <a:ln>
+            <a:tailEnd type="triangle"/>
+          </a:ln>
+        </p:spPr>
+        <p:style>
+          <a:lnRef idx="1">
+            <a:schemeClr val="accent1"/>
+          </a:lnRef>
+          <a:fillRef idx="0">
+            <a:schemeClr val="accent1"/>
+          </a:fillRef>
+          <a:effectRef idx="0">
+            <a:schemeClr val="accent1"/>
+          </a:effectRef>
+          <a:fontRef idx="minor">
+            <a:schemeClr val="tx1"/>
+          </a:fontRef>
+        </p:style>
+      </p:cxnSp>
+      <p:sp>
+        <p:nvSpPr>
+          <p:cNvPr id="14" name="Flowchart: Document 13">
+            <a:extLst>
+              <a:ext uri="{FF2B5EF4-FFF2-40B4-BE49-F238E27FC236}">
+                <a16:creationId xmlns:a16="http://schemas.microsoft.com/office/drawing/2014/main" id="{6D6FB7D1-D024-439D-A8BD-E7625F96CD00}"/>
+              </a:ext>
+            </a:extLst>
+          </p:cNvPr>
+          <p:cNvSpPr/>
+          <p:nvPr/>
+        </p:nvSpPr>
+        <p:spPr>
+          <a:xfrm>
+            <a:off x="3163078" y="3844212"/>
+            <a:ext cx="849087" cy="612648"/>
+          </a:xfrm>
+          <a:prstGeom prst="flowChartDocument">
+            <a:avLst/>
+          </a:prstGeom>
+        </p:spPr>
+        <p:style>
+          <a:lnRef idx="2">
+            <a:schemeClr val="accent1">
+              <a:shade val="50000"/>
+            </a:schemeClr>
+          </a:lnRef>
+          <a:fillRef idx="1">
+            <a:schemeClr val="accent1"/>
+          </a:fillRef>
+          <a:effectRef idx="0">
+            <a:schemeClr val="accent1"/>
+          </a:effectRef>
+          <a:fontRef idx="minor">
+            <a:schemeClr val="lt1"/>
+          </a:fontRef>
+        </p:style>
+        <p:txBody>
+          <a:bodyPr rtlCol="0" anchor="ctr"/>
+          <a:lstStyle/>
+          <a:p>
+            <a:pPr algn="ctr"/>
+            <a:r>
+              <a:rPr lang="en-US" sz="1200" dirty="0"/>
+              <a:t>Theatre CSV</a:t>
+            </a:r>
+          </a:p>
+        </p:txBody>
+      </p:sp>
+      <p:cxnSp>
+        <p:nvCxnSpPr>
+          <p:cNvPr id="16" name="Straight Arrow Connector 15">
+            <a:extLst>
+              <a:ext uri="{FF2B5EF4-FFF2-40B4-BE49-F238E27FC236}">
+                <a16:creationId xmlns:a16="http://schemas.microsoft.com/office/drawing/2014/main" id="{58124436-CF8C-4F6F-BEDB-563959963F3F}"/>
+              </a:ext>
+            </a:extLst>
+          </p:cNvPr>
+          <p:cNvCxnSpPr/>
+          <p:nvPr/>
+        </p:nvCxnSpPr>
+        <p:spPr>
+          <a:xfrm>
+            <a:off x="5666031" y="2603242"/>
+            <a:ext cx="0" cy="755778"/>
+          </a:xfrm>
+          <a:prstGeom prst="straightConnector1">
+            <a:avLst/>
+          </a:prstGeom>
+          <a:ln>
+            <a:tailEnd type="triangle"/>
+          </a:ln>
+        </p:spPr>
+        <p:style>
+          <a:lnRef idx="1">
+            <a:schemeClr val="accent1"/>
+          </a:lnRef>
+          <a:fillRef idx="0">
+            <a:schemeClr val="accent1"/>
+          </a:fillRef>
+          <a:effectRef idx="0">
+            <a:schemeClr val="accent1"/>
+          </a:effectRef>
+          <a:fontRef idx="minor">
+            <a:schemeClr val="tx1"/>
+          </a:fontRef>
+        </p:style>
+      </p:cxnSp>
+      <p:sp>
+        <p:nvSpPr>
+          <p:cNvPr id="17" name="Rectangle: Rounded Corners 16">
+            <a:extLst>
+              <a:ext uri="{FF2B5EF4-FFF2-40B4-BE49-F238E27FC236}">
+                <a16:creationId xmlns:a16="http://schemas.microsoft.com/office/drawing/2014/main" id="{B36EFAB4-983A-41A3-A5B8-3D8D4B04851B}"/>
+              </a:ext>
+            </a:extLst>
+          </p:cNvPr>
+          <p:cNvSpPr/>
+          <p:nvPr/>
+        </p:nvSpPr>
+        <p:spPr>
+          <a:xfrm>
+            <a:off x="4851917" y="3429000"/>
+            <a:ext cx="1903445" cy="2813180"/>
+          </a:xfrm>
+          <a:prstGeom prst="roundRect">
+            <a:avLst/>
+          </a:prstGeom>
+        </p:spPr>
+        <p:style>
+          <a:lnRef idx="2">
+            <a:schemeClr val="accent1">
+              <a:shade val="50000"/>
+            </a:schemeClr>
+          </a:lnRef>
+          <a:fillRef idx="1">
+            <a:schemeClr val="accent1"/>
+          </a:fillRef>
+          <a:effectRef idx="0">
+            <a:schemeClr val="accent1"/>
+          </a:effectRef>
+          <a:fontRef idx="minor">
+            <a:schemeClr val="lt1"/>
+          </a:fontRef>
+        </p:style>
+        <p:txBody>
+          <a:bodyPr rtlCol="0" anchor="ctr"/>
+          <a:lstStyle/>
+          <a:p>
+            <a:pPr marL="342900" indent="-342900">
+              <a:buFont typeface="Arial" panose="020B0604020202020204" pitchFamily="34" charset="0"/>
+              <a:buChar char="•"/>
+            </a:pPr>
+            <a:r>
+              <a:rPr lang="en-US" sz="1100" dirty="0"/>
+              <a:t>Converted released dates into years</a:t>
+            </a:r>
+          </a:p>
+          <a:p>
+            <a:pPr marL="342900" indent="-342900">
+              <a:buFont typeface="Arial" panose="020B0604020202020204" pitchFamily="34" charset="0"/>
+              <a:buChar char="•"/>
+            </a:pPr>
+            <a:r>
+              <a:rPr lang="en-US" sz="1100" dirty="0"/>
+              <a:t>Removed duplicate rows from dataset</a:t>
+            </a:r>
+          </a:p>
+          <a:p>
+            <a:pPr marL="342900" indent="-342900">
+              <a:buFont typeface="Arial" panose="020B0604020202020204" pitchFamily="34" charset="0"/>
+              <a:buChar char="•"/>
+            </a:pPr>
+            <a:r>
+              <a:rPr lang="en-US" sz="1100" dirty="0"/>
+              <a:t>Dropped all </a:t>
+            </a:r>
+            <a:r>
+              <a:rPr lang="en-US" sz="1100" dirty="0" err="1"/>
+              <a:t>NaN</a:t>
+            </a:r>
+            <a:r>
+              <a:rPr lang="en-US" sz="1100" dirty="0"/>
+              <a:t> values from dataset</a:t>
+            </a:r>
+          </a:p>
+          <a:p>
+            <a:pPr marL="342900" indent="-342900">
+              <a:buFont typeface="Arial" panose="020B0604020202020204" pitchFamily="34" charset="0"/>
+              <a:buChar char="•"/>
+            </a:pPr>
+            <a:r>
+              <a:rPr lang="en-US" sz="1100" dirty="0"/>
+              <a:t>Renamed column names</a:t>
+            </a:r>
+          </a:p>
+          <a:p>
+            <a:pPr marL="342900" indent="-342900">
+              <a:buFont typeface="Arial" panose="020B0604020202020204" pitchFamily="34" charset="0"/>
+              <a:buChar char="•"/>
+            </a:pPr>
+            <a:r>
+              <a:rPr lang="en-US" sz="1100" dirty="0"/>
+              <a:t>Removed % from Rotten Tomatoes column </a:t>
+            </a:r>
+          </a:p>
+          <a:p>
+            <a:pPr algn="ctr"/>
+            <a:endParaRPr lang="en-US" sz="900" dirty="0"/>
+          </a:p>
+        </p:txBody>
+      </p:sp>
+      <p:cxnSp>
+        <p:nvCxnSpPr>
+          <p:cNvPr id="19" name="Straight Arrow Connector 18">
+            <a:extLst>
+              <a:ext uri="{FF2B5EF4-FFF2-40B4-BE49-F238E27FC236}">
+                <a16:creationId xmlns:a16="http://schemas.microsoft.com/office/drawing/2014/main" id="{D7743055-64F1-4A30-A791-B45971F997AD}"/>
+              </a:ext>
+            </a:extLst>
+          </p:cNvPr>
+          <p:cNvCxnSpPr/>
+          <p:nvPr/>
+        </p:nvCxnSpPr>
+        <p:spPr>
+          <a:xfrm>
+            <a:off x="8640147" y="2603242"/>
+            <a:ext cx="0" cy="825758"/>
+          </a:xfrm>
+          <a:prstGeom prst="straightConnector1">
+            <a:avLst/>
+          </a:prstGeom>
+          <a:ln>
+            <a:tailEnd type="triangle"/>
+          </a:ln>
+        </p:spPr>
+        <p:style>
+          <a:lnRef idx="1">
+            <a:schemeClr val="accent1"/>
+          </a:lnRef>
+          <a:fillRef idx="0">
+            <a:schemeClr val="accent1"/>
+          </a:fillRef>
+          <a:effectRef idx="0">
+            <a:schemeClr val="accent1"/>
+          </a:effectRef>
+          <a:fontRef idx="minor">
+            <a:schemeClr val="tx1"/>
+          </a:fontRef>
+        </p:style>
+      </p:cxnSp>
+      <p:sp>
+        <p:nvSpPr>
+          <p:cNvPr id="20" name="Flowchart: Magnetic Disk 19">
+            <a:extLst>
+              <a:ext uri="{FF2B5EF4-FFF2-40B4-BE49-F238E27FC236}">
+                <a16:creationId xmlns:a16="http://schemas.microsoft.com/office/drawing/2014/main" id="{4758D627-01EF-4745-9E72-4B5ACFC97611}"/>
+              </a:ext>
+            </a:extLst>
+          </p:cNvPr>
+          <p:cNvSpPr/>
+          <p:nvPr/>
+        </p:nvSpPr>
+        <p:spPr>
+          <a:xfrm>
+            <a:off x="8168914" y="3517769"/>
+            <a:ext cx="1214569" cy="825757"/>
+          </a:xfrm>
+          <a:prstGeom prst="flowChartMagneticDisk">
+            <a:avLst/>
+          </a:prstGeom>
+        </p:spPr>
+        <p:style>
+          <a:lnRef idx="2">
+            <a:schemeClr val="accent1">
+              <a:shade val="50000"/>
+            </a:schemeClr>
+          </a:lnRef>
+          <a:fillRef idx="1">
+            <a:schemeClr val="accent1"/>
+          </a:fillRef>
+          <a:effectRef idx="0">
+            <a:schemeClr val="accent1"/>
+          </a:effectRef>
+          <a:fontRef idx="minor">
+            <a:schemeClr val="lt1"/>
+          </a:fontRef>
+        </p:style>
+        <p:txBody>
+          <a:bodyPr rtlCol="0" anchor="ctr"/>
+          <a:lstStyle/>
+          <a:p>
+            <a:pPr algn="ctr"/>
+            <a:r>
+              <a:rPr lang="en-US" dirty="0"/>
+              <a:t>Movies</a:t>
+            </a:r>
+          </a:p>
+        </p:txBody>
+      </p:sp>
+      <p:cxnSp>
+        <p:nvCxnSpPr>
+          <p:cNvPr id="22" name="Straight Arrow Connector 21">
+            <a:extLst>
+              <a:ext uri="{FF2B5EF4-FFF2-40B4-BE49-F238E27FC236}">
+                <a16:creationId xmlns:a16="http://schemas.microsoft.com/office/drawing/2014/main" id="{BD5F93B7-0474-479B-86CD-4FA20E935A4A}"/>
+              </a:ext>
+            </a:extLst>
+          </p:cNvPr>
+          <p:cNvCxnSpPr/>
+          <p:nvPr/>
+        </p:nvCxnSpPr>
+        <p:spPr>
+          <a:xfrm flipH="1">
+            <a:off x="8404170" y="4036982"/>
+            <a:ext cx="471953" cy="973556"/>
+          </a:xfrm>
+          <a:prstGeom prst="straightConnector1">
+            <a:avLst/>
+          </a:prstGeom>
+          <a:ln>
+            <a:tailEnd type="triangle"/>
+          </a:ln>
+        </p:spPr>
+        <p:style>
+          <a:lnRef idx="1">
+            <a:schemeClr val="accent1"/>
+          </a:lnRef>
+          <a:fillRef idx="0">
+            <a:schemeClr val="accent1"/>
+          </a:fillRef>
+          <a:effectRef idx="0">
+            <a:schemeClr val="accent1"/>
+          </a:effectRef>
+          <a:fontRef idx="minor">
+            <a:schemeClr val="tx1"/>
+          </a:fontRef>
+        </p:style>
+      </p:cxnSp>
+      <p:cxnSp>
+        <p:nvCxnSpPr>
+          <p:cNvPr id="24" name="Straight Arrow Connector 23">
+            <a:extLst>
+              <a:ext uri="{FF2B5EF4-FFF2-40B4-BE49-F238E27FC236}">
+                <a16:creationId xmlns:a16="http://schemas.microsoft.com/office/drawing/2014/main" id="{EAB7CC3D-1576-436E-BD4F-B6D16156963A}"/>
+              </a:ext>
+            </a:extLst>
+          </p:cNvPr>
+          <p:cNvCxnSpPr/>
+          <p:nvPr/>
+        </p:nvCxnSpPr>
+        <p:spPr>
+          <a:xfrm>
+            <a:off x="8672802" y="4105723"/>
+            <a:ext cx="681134" cy="904815"/>
+          </a:xfrm>
+          <a:prstGeom prst="straightConnector1">
+            <a:avLst/>
+          </a:prstGeom>
+          <a:ln>
+            <a:tailEnd type="triangle"/>
+          </a:ln>
+        </p:spPr>
+        <p:style>
+          <a:lnRef idx="1">
+            <a:schemeClr val="accent1"/>
+          </a:lnRef>
+          <a:fillRef idx="0">
+            <a:schemeClr val="accent1"/>
+          </a:fillRef>
+          <a:effectRef idx="0">
+            <a:schemeClr val="accent1"/>
+          </a:effectRef>
+          <a:fontRef idx="minor">
+            <a:schemeClr val="tx1"/>
+          </a:fontRef>
+        </p:style>
+      </p:cxnSp>
+      <p:sp>
+        <p:nvSpPr>
+          <p:cNvPr id="25" name="Rectangle 24">
+            <a:extLst>
+              <a:ext uri="{FF2B5EF4-FFF2-40B4-BE49-F238E27FC236}">
+                <a16:creationId xmlns:a16="http://schemas.microsoft.com/office/drawing/2014/main" id="{73111B74-F5E4-4920-ADE4-97EB7D8EFA73}"/>
+              </a:ext>
+            </a:extLst>
+          </p:cNvPr>
+          <p:cNvSpPr/>
+          <p:nvPr/>
+        </p:nvSpPr>
+        <p:spPr>
+          <a:xfrm>
+            <a:off x="7879786" y="5025042"/>
+            <a:ext cx="930148" cy="667012"/>
           </a:xfrm>
           <a:prstGeom prst="rect">
             <a:avLst/>
           </a:prstGeom>
         </p:spPr>
-      </p:pic>
+        <p:style>
+          <a:lnRef idx="2">
+            <a:schemeClr val="accent1">
+              <a:shade val="50000"/>
+            </a:schemeClr>
+          </a:lnRef>
+          <a:fillRef idx="1">
+            <a:schemeClr val="accent1"/>
+          </a:fillRef>
+          <a:effectRef idx="0">
+            <a:schemeClr val="accent1"/>
+          </a:effectRef>
+          <a:fontRef idx="minor">
+            <a:schemeClr val="lt1"/>
+          </a:fontRef>
+        </p:style>
+        <p:txBody>
+          <a:bodyPr rtlCol="0" anchor="ctr"/>
+          <a:lstStyle/>
+          <a:p>
+            <a:pPr algn="ctr"/>
+            <a:r>
+              <a:rPr lang="en-US" sz="1100" dirty="0"/>
+              <a:t>Online Table</a:t>
+            </a:r>
+          </a:p>
+        </p:txBody>
+      </p:sp>
+      <p:sp>
+        <p:nvSpPr>
+          <p:cNvPr id="26" name="Rectangle 25">
+            <a:extLst>
+              <a:ext uri="{FF2B5EF4-FFF2-40B4-BE49-F238E27FC236}">
+                <a16:creationId xmlns:a16="http://schemas.microsoft.com/office/drawing/2014/main" id="{28519720-73FC-4435-8CA0-39302478D665}"/>
+              </a:ext>
+            </a:extLst>
+          </p:cNvPr>
+          <p:cNvSpPr/>
+          <p:nvPr/>
+        </p:nvSpPr>
+        <p:spPr>
+          <a:xfrm>
+            <a:off x="8983768" y="5010538"/>
+            <a:ext cx="1006951" cy="667012"/>
+          </a:xfrm>
+          <a:prstGeom prst="rect">
+            <a:avLst/>
+          </a:prstGeom>
+        </p:spPr>
+        <p:style>
+          <a:lnRef idx="2">
+            <a:schemeClr val="accent1">
+              <a:shade val="50000"/>
+            </a:schemeClr>
+          </a:lnRef>
+          <a:fillRef idx="1">
+            <a:schemeClr val="accent1"/>
+          </a:fillRef>
+          <a:effectRef idx="0">
+            <a:schemeClr val="accent1"/>
+          </a:effectRef>
+          <a:fontRef idx="minor">
+            <a:schemeClr val="lt1"/>
+          </a:fontRef>
+        </p:style>
+        <p:txBody>
+          <a:bodyPr rtlCol="0" anchor="ctr"/>
+          <a:lstStyle/>
+          <a:p>
+            <a:pPr algn="ctr"/>
+            <a:r>
+              <a:rPr lang="en-US" sz="1100" dirty="0"/>
+              <a:t>Theatre</a:t>
+            </a:r>
+          </a:p>
+          <a:p>
+            <a:pPr algn="ctr"/>
+            <a:r>
+              <a:rPr lang="en-US" sz="1100" dirty="0"/>
+              <a:t>Table</a:t>
+            </a:r>
+          </a:p>
+        </p:txBody>
+      </p:sp>
     </p:spTree>
     <p:extLst>
       <p:ext uri="{BB962C8B-B14F-4D97-AF65-F5344CB8AC3E}">
-        <p14:creationId xmlns:p14="http://schemas.microsoft.com/office/powerpoint/2010/main" val="2879628706"/>
+        <p14:creationId xmlns:p14="http://schemas.microsoft.com/office/powerpoint/2010/main" val="1848361698"/>
       </p:ext>
     </p:extLst>
   </p:cSld>
@@ -5561,10 +8679,10 @@
       </p:sp>
       <p:pic>
         <p:nvPicPr>
-          <p:cNvPr id="3074" name="Picture 2" descr="45 Funny Windows Error Messages - Hongkiat">
-            <a:extLst>
-              <a:ext uri="{FF2B5EF4-FFF2-40B4-BE49-F238E27FC236}">
-                <a16:creationId xmlns:a16="http://schemas.microsoft.com/office/drawing/2014/main" id="{A0BDE24C-6B72-644F-B8EF-21497D660ED0}"/>
+          <p:cNvPr id="1028" name="Picture 4" descr="error-displaying-previous-error-funny-error-messages – Credo Technology  Group, LLC">
+            <a:extLst>
+              <a:ext uri="{FF2B5EF4-FFF2-40B4-BE49-F238E27FC236}">
+                <a16:creationId xmlns:a16="http://schemas.microsoft.com/office/drawing/2014/main" id="{F601A271-9760-BF4A-A98F-FF6C7D05A09B}"/>
               </a:ext>
             </a:extLst>
           </p:cNvPr>
@@ -5590,18 +8708,20 @@
         </p:blipFill>
         <p:spPr bwMode="auto">
           <a:xfrm>
-            <a:off x="5855368" y="677839"/>
-            <a:ext cx="5577680" cy="3109556"/>
+            <a:off x="5765800" y="1720056"/>
+            <a:ext cx="5080000" cy="2832100"/>
           </a:xfrm>
           <a:prstGeom prst="rect">
             <a:avLst/>
           </a:prstGeom>
-          <a:noFill/>
+          <a:ln>
+            <a:noFill/>
+          </a:ln>
           <a:effectLst>
-            <a:outerShdw blurRad="50800" dist="38100" dir="13500000" algn="br" rotWithShape="0">
-              <a:prstClr val="black">
-                <a:alpha val="40000"/>
-              </a:prstClr>
+            <a:outerShdw blurRad="292100" dist="139700" dir="2700000" algn="tl" rotWithShape="0">
+              <a:srgbClr val="333333">
+                <a:alpha val="65000"/>
+              </a:srgbClr>
             </a:outerShdw>
           </a:effectLst>
           <a:extLst>
@@ -5753,7 +8873,16 @@
           <a:prstGeom prst="rect">
             <a:avLst/>
           </a:prstGeom>
-          <a:noFill/>
+          <a:ln>
+            <a:noFill/>
+          </a:ln>
+          <a:effectLst>
+            <a:outerShdw blurRad="292100" dist="139700" dir="2700000" algn="tl" rotWithShape="0">
+              <a:srgbClr val="333333">
+                <a:alpha val="65000"/>
+              </a:srgbClr>
+            </a:outerShdw>
+          </a:effectLst>
           <a:extLst>
             <a:ext uri="{909E8E84-426E-40DD-AFC4-6F175D3DCCD1}">
               <a14:hiddenFill xmlns:a14="http://schemas.microsoft.com/office/drawing/2010/main">

--- a/ETL_Project.pptx
+++ b/ETL_Project.pptx
@@ -7761,19 +7761,17 @@
       </p:sp>
       <p:pic>
         <p:nvPicPr>
-          <p:cNvPr id="8" name="Content Placeholder 11" descr="Text&#10;&#10;Description automatically generated with low confidence">
-            <a:extLst>
-              <a:ext uri="{FF2B5EF4-FFF2-40B4-BE49-F238E27FC236}">
-                <a16:creationId xmlns:a16="http://schemas.microsoft.com/office/drawing/2014/main" id="{E283B817-A978-7E45-A2C0-A4EB164624A2}"/>
+          <p:cNvPr id="7" name="Picture 6" descr="Graphical user interface&#10;&#10;Description automatically generated with medium confidence">
+            <a:extLst>
+              <a:ext uri="{FF2B5EF4-FFF2-40B4-BE49-F238E27FC236}">
+                <a16:creationId xmlns:a16="http://schemas.microsoft.com/office/drawing/2014/main" id="{0CB7B87F-53C0-C24E-BABE-6A5434F20B0E}"/>
               </a:ext>
             </a:extLst>
           </p:cNvPr>
           <p:cNvPicPr>
-            <a:picLocks noGrp="1" noChangeAspect="1"/>
+            <a:picLocks noChangeAspect="1"/>
           </p:cNvPicPr>
-          <p:nvPr>
-            <p:ph idx="1"/>
-          </p:nvPr>
+          <p:nvPr/>
         </p:nvPicPr>
         <p:blipFill>
           <a:blip r:embed="rId2"/>
@@ -7783,30 +7781,20 @@
         </p:blipFill>
         <p:spPr>
           <a:xfrm>
-            <a:off x="4863003" y="314867"/>
-            <a:ext cx="5972011" cy="2104673"/>
+            <a:off x="4863002" y="561792"/>
+            <a:ext cx="7159395" cy="2166660"/>
           </a:xfrm>
           <a:prstGeom prst="rect">
             <a:avLst/>
           </a:prstGeom>
-          <a:ln>
-            <a:noFill/>
-          </a:ln>
-          <a:effectLst>
-            <a:outerShdw blurRad="292100" dist="139700" dir="2700000" algn="tl" rotWithShape="0">
-              <a:srgbClr val="333333">
-                <a:alpha val="65000"/>
-              </a:srgbClr>
-            </a:outerShdw>
-          </a:effectLst>
         </p:spPr>
       </p:pic>
       <p:pic>
         <p:nvPicPr>
-          <p:cNvPr id="9" name="Picture 8" descr="Table&#10;&#10;Description automatically generated">
-            <a:extLst>
-              <a:ext uri="{FF2B5EF4-FFF2-40B4-BE49-F238E27FC236}">
-                <a16:creationId xmlns:a16="http://schemas.microsoft.com/office/drawing/2014/main" id="{60595001-D2D6-964E-8236-B03023C2A686}"/>
+          <p:cNvPr id="11" name="Picture 10" descr="A picture containing background pattern&#10;&#10;Description automatically generated">
+            <a:extLst>
+              <a:ext uri="{FF2B5EF4-FFF2-40B4-BE49-F238E27FC236}">
+                <a16:creationId xmlns:a16="http://schemas.microsoft.com/office/drawing/2014/main" id="{EB5D41F3-1C8F-0C47-AAB6-68C501C250E5}"/>
               </a:ext>
             </a:extLst>
           </p:cNvPr>
@@ -7823,24 +7811,84 @@
         </p:blipFill>
         <p:spPr>
           <a:xfrm>
-            <a:off x="5234011" y="3284321"/>
-            <a:ext cx="6199037" cy="2235700"/>
+            <a:off x="4863002" y="3689131"/>
+            <a:ext cx="7328997" cy="2270957"/>
           </a:xfrm>
           <a:prstGeom prst="rect">
             <a:avLst/>
           </a:prstGeom>
-          <a:ln>
-            <a:noFill/>
-          </a:ln>
-          <a:effectLst>
-            <a:outerShdw blurRad="292100" dist="139700" dir="2700000" algn="tl" rotWithShape="0">
-              <a:srgbClr val="333333">
-                <a:alpha val="65000"/>
-              </a:srgbClr>
-            </a:outerShdw>
-          </a:effectLst>
         </p:spPr>
       </p:pic>
+      <p:sp>
+        <p:nvSpPr>
+          <p:cNvPr id="13" name="TextBox 12">
+            <a:extLst>
+              <a:ext uri="{FF2B5EF4-FFF2-40B4-BE49-F238E27FC236}">
+                <a16:creationId xmlns:a16="http://schemas.microsoft.com/office/drawing/2014/main" id="{2926C46B-6D61-CC4F-A9EF-07825D919A37}"/>
+              </a:ext>
+            </a:extLst>
+          </p:cNvPr>
+          <p:cNvSpPr txBox="1"/>
+          <p:nvPr/>
+        </p:nvSpPr>
+        <p:spPr>
+          <a:xfrm>
+            <a:off x="7231626" y="211034"/>
+            <a:ext cx="1086464" cy="369332"/>
+          </a:xfrm>
+          <a:prstGeom prst="rect">
+            <a:avLst/>
+          </a:prstGeom>
+          <a:noFill/>
+        </p:spPr>
+        <p:txBody>
+          <a:bodyPr wrap="square" rtlCol="0">
+            <a:spAutoFit/>
+          </a:bodyPr>
+          <a:lstStyle/>
+          <a:p>
+            <a:r>
+              <a:rPr lang="en-US" dirty="0"/>
+              <a:t>Theater </a:t>
+            </a:r>
+          </a:p>
+        </p:txBody>
+      </p:sp>
+      <p:sp>
+        <p:nvSpPr>
+          <p:cNvPr id="14" name="TextBox 13">
+            <a:extLst>
+              <a:ext uri="{FF2B5EF4-FFF2-40B4-BE49-F238E27FC236}">
+                <a16:creationId xmlns:a16="http://schemas.microsoft.com/office/drawing/2014/main" id="{6882DFB0-7156-5B4E-8205-A15873FE6A36}"/>
+              </a:ext>
+            </a:extLst>
+          </p:cNvPr>
+          <p:cNvSpPr txBox="1"/>
+          <p:nvPr/>
+        </p:nvSpPr>
+        <p:spPr>
+          <a:xfrm>
+            <a:off x="7688178" y="3140242"/>
+            <a:ext cx="950495" cy="369332"/>
+          </a:xfrm>
+          <a:prstGeom prst="rect">
+            <a:avLst/>
+          </a:prstGeom>
+          <a:noFill/>
+        </p:spPr>
+        <p:txBody>
+          <a:bodyPr wrap="square" rtlCol="0">
+            <a:spAutoFit/>
+          </a:bodyPr>
+          <a:lstStyle/>
+          <a:p>
+            <a:r>
+              <a:rPr lang="en-US" dirty="0"/>
+              <a:t>Online</a:t>
+            </a:r>
+          </a:p>
+        </p:txBody>
+      </p:sp>
     </p:spTree>
     <p:extLst>
       <p:ext uri="{BB962C8B-B14F-4D97-AF65-F5344CB8AC3E}">

--- a/ETL_Project.pptx
+++ b/ETL_Project.pptx
@@ -7244,7 +7244,7 @@
             </a:pPr>
             <a:r>
               <a:rPr lang="en-US" dirty="0"/>
-              <a:t>Datasets were derived from Kaggle(streaming platforms) and IMDb dataset</a:t>
+              <a:t>Datasets were derived from Kaggle(streaming platforms) and IMDb dataset(theater)</a:t>
             </a:r>
           </a:p>
           <a:p>
@@ -7761,17 +7761,19 @@
       </p:sp>
       <p:pic>
         <p:nvPicPr>
-          <p:cNvPr id="7" name="Picture 6" descr="Graphical user interface&#10;&#10;Description automatically generated with medium confidence">
-            <a:extLst>
-              <a:ext uri="{FF2B5EF4-FFF2-40B4-BE49-F238E27FC236}">
-                <a16:creationId xmlns:a16="http://schemas.microsoft.com/office/drawing/2014/main" id="{0CB7B87F-53C0-C24E-BABE-6A5434F20B0E}"/>
+          <p:cNvPr id="8" name="Content Placeholder 11" descr="Text&#10;&#10;Description automatically generated with low confidence">
+            <a:extLst>
+              <a:ext uri="{FF2B5EF4-FFF2-40B4-BE49-F238E27FC236}">
+                <a16:creationId xmlns:a16="http://schemas.microsoft.com/office/drawing/2014/main" id="{E283B817-A978-7E45-A2C0-A4EB164624A2}"/>
               </a:ext>
             </a:extLst>
           </p:cNvPr>
           <p:cNvPicPr>
-            <a:picLocks noChangeAspect="1"/>
+            <a:picLocks noGrp="1" noChangeAspect="1"/>
           </p:cNvPicPr>
-          <p:nvPr/>
+          <p:nvPr>
+            <p:ph idx="1"/>
+          </p:nvPr>
         </p:nvPicPr>
         <p:blipFill>
           <a:blip r:embed="rId2"/>
@@ -7781,20 +7783,30 @@
         </p:blipFill>
         <p:spPr>
           <a:xfrm>
-            <a:off x="4863002" y="561792"/>
-            <a:ext cx="7159395" cy="2166660"/>
+            <a:off x="4863003" y="314867"/>
+            <a:ext cx="5972011" cy="2104673"/>
           </a:xfrm>
           <a:prstGeom prst="rect">
             <a:avLst/>
           </a:prstGeom>
+          <a:ln>
+            <a:noFill/>
+          </a:ln>
+          <a:effectLst>
+            <a:outerShdw blurRad="292100" dist="139700" dir="2700000" algn="tl" rotWithShape="0">
+              <a:srgbClr val="333333">
+                <a:alpha val="65000"/>
+              </a:srgbClr>
+            </a:outerShdw>
+          </a:effectLst>
         </p:spPr>
       </p:pic>
       <p:pic>
         <p:nvPicPr>
-          <p:cNvPr id="11" name="Picture 10" descr="A picture containing background pattern&#10;&#10;Description automatically generated">
-            <a:extLst>
-              <a:ext uri="{FF2B5EF4-FFF2-40B4-BE49-F238E27FC236}">
-                <a16:creationId xmlns:a16="http://schemas.microsoft.com/office/drawing/2014/main" id="{EB5D41F3-1C8F-0C47-AAB6-68C501C250E5}"/>
+          <p:cNvPr id="9" name="Picture 8" descr="Table&#10;&#10;Description automatically generated">
+            <a:extLst>
+              <a:ext uri="{FF2B5EF4-FFF2-40B4-BE49-F238E27FC236}">
+                <a16:creationId xmlns:a16="http://schemas.microsoft.com/office/drawing/2014/main" id="{60595001-D2D6-964E-8236-B03023C2A686}"/>
               </a:ext>
             </a:extLst>
           </p:cNvPr>
@@ -7811,84 +7823,24 @@
         </p:blipFill>
         <p:spPr>
           <a:xfrm>
-            <a:off x="4863002" y="3689131"/>
-            <a:ext cx="7328997" cy="2270957"/>
+            <a:off x="5234011" y="3284321"/>
+            <a:ext cx="6199037" cy="2235700"/>
           </a:xfrm>
           <a:prstGeom prst="rect">
             <a:avLst/>
           </a:prstGeom>
+          <a:ln>
+            <a:noFill/>
+          </a:ln>
+          <a:effectLst>
+            <a:outerShdw blurRad="292100" dist="139700" dir="2700000" algn="tl" rotWithShape="0">
+              <a:srgbClr val="333333">
+                <a:alpha val="65000"/>
+              </a:srgbClr>
+            </a:outerShdw>
+          </a:effectLst>
         </p:spPr>
       </p:pic>
-      <p:sp>
-        <p:nvSpPr>
-          <p:cNvPr id="13" name="TextBox 12">
-            <a:extLst>
-              <a:ext uri="{FF2B5EF4-FFF2-40B4-BE49-F238E27FC236}">
-                <a16:creationId xmlns:a16="http://schemas.microsoft.com/office/drawing/2014/main" id="{2926C46B-6D61-CC4F-A9EF-07825D919A37}"/>
-              </a:ext>
-            </a:extLst>
-          </p:cNvPr>
-          <p:cNvSpPr txBox="1"/>
-          <p:nvPr/>
-        </p:nvSpPr>
-        <p:spPr>
-          <a:xfrm>
-            <a:off x="7231626" y="211034"/>
-            <a:ext cx="1086464" cy="369332"/>
-          </a:xfrm>
-          <a:prstGeom prst="rect">
-            <a:avLst/>
-          </a:prstGeom>
-          <a:noFill/>
-        </p:spPr>
-        <p:txBody>
-          <a:bodyPr wrap="square" rtlCol="0">
-            <a:spAutoFit/>
-          </a:bodyPr>
-          <a:lstStyle/>
-          <a:p>
-            <a:r>
-              <a:rPr lang="en-US" dirty="0"/>
-              <a:t>Theater </a:t>
-            </a:r>
-          </a:p>
-        </p:txBody>
-      </p:sp>
-      <p:sp>
-        <p:nvSpPr>
-          <p:cNvPr id="14" name="TextBox 13">
-            <a:extLst>
-              <a:ext uri="{FF2B5EF4-FFF2-40B4-BE49-F238E27FC236}">
-                <a16:creationId xmlns:a16="http://schemas.microsoft.com/office/drawing/2014/main" id="{6882DFB0-7156-5B4E-8205-A15873FE6A36}"/>
-              </a:ext>
-            </a:extLst>
-          </p:cNvPr>
-          <p:cNvSpPr txBox="1"/>
-          <p:nvPr/>
-        </p:nvSpPr>
-        <p:spPr>
-          <a:xfrm>
-            <a:off x="7688178" y="3140242"/>
-            <a:ext cx="950495" cy="369332"/>
-          </a:xfrm>
-          <a:prstGeom prst="rect">
-            <a:avLst/>
-          </a:prstGeom>
-          <a:noFill/>
-        </p:spPr>
-        <p:txBody>
-          <a:bodyPr wrap="square" rtlCol="0">
-            <a:spAutoFit/>
-          </a:bodyPr>
-          <a:lstStyle/>
-          <a:p>
-            <a:r>
-              <a:rPr lang="en-US" dirty="0"/>
-              <a:t>Online</a:t>
-            </a:r>
-          </a:p>
-        </p:txBody>
-      </p:sp>
     </p:spTree>
     <p:extLst>
       <p:ext uri="{BB962C8B-B14F-4D97-AF65-F5344CB8AC3E}">
